--- a/docs/final-presentation.pptx
+++ b/docs/final-presentation.pptx
@@ -7,6 +7,11 @@
   <p:sldIdLst>
     <p:sldId id="256" r:id="rId2"/>
     <p:sldId id="257" r:id="rId3"/>
+    <p:sldId id="258" r:id="rId4"/>
+    <p:sldId id="259" r:id="rId5"/>
+    <p:sldId id="260" r:id="rId6"/>
+    <p:sldId id="261" r:id="rId7"/>
+    <p:sldId id="262" r:id="rId8"/>
   </p:sldIdLst>
   <p:sldSz cx="9144000" cy="6858000" type="screen4x3"/>
   <p:notesSz cx="6858000" cy="9144000"/>
@@ -105,6 +110,11 @@
       </a:defRPr>
     </a:lvl9pPr>
   </p:defaultTextStyle>
+  <p:extLst>
+    <p:ext uri="{EFAFB233-063F-42B5-8137-9DF3F51BA10A}">
+      <p15:sldGuideLst xmlns:p15="http://schemas.microsoft.com/office/powerpoint/2012/main"/>
+    </p:ext>
+  </p:extLst>
 </p:presentation>
 </file>
 
@@ -239,7 +249,7 @@
           <a:p>
             <a:fld id="{8388EE48-3864-48F3-93A9-E82791A96128}" type="datetimeFigureOut">
               <a:rPr lang="en-US" smtClean="0"/>
-              <a:t>3/18/2016</a:t>
+              <a:t>4/1/2016</a:t>
             </a:fld>
             <a:endParaRPr lang="en-US"/>
           </a:p>
@@ -409,7 +419,7 @@
           <a:p>
             <a:fld id="{8388EE48-3864-48F3-93A9-E82791A96128}" type="datetimeFigureOut">
               <a:rPr lang="en-US" smtClean="0"/>
-              <a:t>3/18/2016</a:t>
+              <a:t>4/1/2016</a:t>
             </a:fld>
             <a:endParaRPr lang="en-US"/>
           </a:p>
@@ -589,7 +599,7 @@
           <a:p>
             <a:fld id="{8388EE48-3864-48F3-93A9-E82791A96128}" type="datetimeFigureOut">
               <a:rPr lang="en-US" smtClean="0"/>
-              <a:t>3/18/2016</a:t>
+              <a:t>4/1/2016</a:t>
             </a:fld>
             <a:endParaRPr lang="en-US"/>
           </a:p>
@@ -759,7 +769,7 @@
           <a:p>
             <a:fld id="{8388EE48-3864-48F3-93A9-E82791A96128}" type="datetimeFigureOut">
               <a:rPr lang="en-US" smtClean="0"/>
-              <a:t>3/18/2016</a:t>
+              <a:t>4/1/2016</a:t>
             </a:fld>
             <a:endParaRPr lang="en-US"/>
           </a:p>
@@ -1003,7 +1013,7 @@
           <a:p>
             <a:fld id="{8388EE48-3864-48F3-93A9-E82791A96128}" type="datetimeFigureOut">
               <a:rPr lang="en-US" smtClean="0"/>
-              <a:t>3/18/2016</a:t>
+              <a:t>4/1/2016</a:t>
             </a:fld>
             <a:endParaRPr lang="en-US"/>
           </a:p>
@@ -1235,7 +1245,7 @@
           <a:p>
             <a:fld id="{8388EE48-3864-48F3-93A9-E82791A96128}" type="datetimeFigureOut">
               <a:rPr lang="en-US" smtClean="0"/>
-              <a:t>3/18/2016</a:t>
+              <a:t>4/1/2016</a:t>
             </a:fld>
             <a:endParaRPr lang="en-US"/>
           </a:p>
@@ -1602,7 +1612,7 @@
           <a:p>
             <a:fld id="{8388EE48-3864-48F3-93A9-E82791A96128}" type="datetimeFigureOut">
               <a:rPr lang="en-US" smtClean="0"/>
-              <a:t>3/18/2016</a:t>
+              <a:t>4/1/2016</a:t>
             </a:fld>
             <a:endParaRPr lang="en-US"/>
           </a:p>
@@ -1720,7 +1730,7 @@
           <a:p>
             <a:fld id="{8388EE48-3864-48F3-93A9-E82791A96128}" type="datetimeFigureOut">
               <a:rPr lang="en-US" smtClean="0"/>
-              <a:t>3/18/2016</a:t>
+              <a:t>4/1/2016</a:t>
             </a:fld>
             <a:endParaRPr lang="en-US"/>
           </a:p>
@@ -1815,7 +1825,7 @@
           <a:p>
             <a:fld id="{8388EE48-3864-48F3-93A9-E82791A96128}" type="datetimeFigureOut">
               <a:rPr lang="en-US" smtClean="0"/>
-              <a:t>3/18/2016</a:t>
+              <a:t>4/1/2016</a:t>
             </a:fld>
             <a:endParaRPr lang="en-US"/>
           </a:p>
@@ -2092,7 +2102,7 @@
           <a:p>
             <a:fld id="{8388EE48-3864-48F3-93A9-E82791A96128}" type="datetimeFigureOut">
               <a:rPr lang="en-US" smtClean="0"/>
-              <a:t>3/18/2016</a:t>
+              <a:t>4/1/2016</a:t>
             </a:fld>
             <a:endParaRPr lang="en-US"/>
           </a:p>
@@ -2349,7 +2359,7 @@
           <a:p>
             <a:fld id="{8388EE48-3864-48F3-93A9-E82791A96128}" type="datetimeFigureOut">
               <a:rPr lang="en-US" smtClean="0"/>
-              <a:t>3/18/2016</a:t>
+              <a:t>4/1/2016</a:t>
             </a:fld>
             <a:endParaRPr lang="en-US"/>
           </a:p>
@@ -2562,7 +2572,7 @@
           <a:p>
             <a:fld id="{8388EE48-3864-48F3-93A9-E82791A96128}" type="datetimeFigureOut">
               <a:rPr lang="en-US" smtClean="0"/>
-              <a:t>3/18/2016</a:t>
+              <a:t>4/1/2016</a:t>
             </a:fld>
             <a:endParaRPr lang="en-US"/>
           </a:p>
@@ -3544,6 +3554,10 @@
           <a:bodyPr/>
           <a:lstStyle/>
           <a:p>
+            <a:r>
+              <a:rPr lang="en-US" dirty="0" smtClean="0"/>
+              <a:t>Overview</a:t>
+            </a:r>
             <a:endParaRPr lang="en-US" dirty="0"/>
           </a:p>
         </p:txBody>
@@ -3563,14 +3577,637 @@
           <a:bodyPr/>
           <a:lstStyle/>
           <a:p>
-            <a:endParaRPr lang="en-US"/>
-          </a:p>
-        </p:txBody>
-      </p:sp>
+            <a:r>
+              <a:rPr lang="en-US" dirty="0" smtClean="0"/>
+              <a:t>Since last time…</a:t>
+            </a:r>
+          </a:p>
+          <a:p>
+            <a:r>
+              <a:rPr lang="en-US" dirty="0" smtClean="0"/>
+              <a:t>PEB Attack Vector</a:t>
+            </a:r>
+          </a:p>
+          <a:p>
+            <a:r>
+              <a:rPr lang="en-US" dirty="0" smtClean="0"/>
+              <a:t>Bus Pirate</a:t>
+            </a:r>
+          </a:p>
+          <a:p>
+            <a:r>
+              <a:rPr lang="en-US" dirty="0" smtClean="0"/>
+              <a:t>PEB Reader Code Dump</a:t>
+            </a:r>
+          </a:p>
+          <a:p>
+            <a:r>
+              <a:rPr lang="en-US" dirty="0" smtClean="0"/>
+              <a:t>Summary</a:t>
+            </a:r>
+          </a:p>
+        </p:txBody>
+      </p:sp>
+      <p:pic>
+        <p:nvPicPr>
+          <p:cNvPr id="4" name="Picture 2" descr="http://yjsoon.com/wp-content/uploads/2011/08/Hacker-stock-art-%E2%80%93-Boing-Boing.png"/>
+          <p:cNvPicPr>
+            <a:picLocks noChangeAspect="1" noChangeArrowheads="1"/>
+          </p:cNvPicPr>
+          <p:nvPr/>
+        </p:nvPicPr>
+        <p:blipFill rotWithShape="1">
+          <a:blip r:embed="rId2">
+            <a:extLst>
+              <a:ext uri="{28A0092B-C50C-407E-A947-70E740481C1C}">
+                <a14:useLocalDpi xmlns:a14="http://schemas.microsoft.com/office/drawing/2010/main" val="0"/>
+              </a:ext>
+            </a:extLst>
+          </a:blip>
+          <a:srcRect l="12638"/>
+          <a:stretch/>
+        </p:blipFill>
+        <p:spPr bwMode="auto">
+          <a:xfrm flipH="1">
+            <a:off x="4986922" y="3067050"/>
+            <a:ext cx="4157078" cy="3790950"/>
+          </a:xfrm>
+          <a:prstGeom prst="rect">
+            <a:avLst/>
+          </a:prstGeom>
+          <a:noFill/>
+          <a:extLst>
+            <a:ext uri="{909E8E84-426E-40DD-AFC4-6F175D3DCCD1}">
+              <a14:hiddenFill xmlns:a14="http://schemas.microsoft.com/office/drawing/2010/main">
+                <a:solidFill>
+                  <a:srgbClr val="FFFFFF"/>
+                </a:solidFill>
+              </a14:hiddenFill>
+            </a:ext>
+          </a:extLst>
+        </p:spPr>
+      </p:pic>
     </p:spTree>
     <p:extLst>
       <p:ext uri="{BB962C8B-B14F-4D97-AF65-F5344CB8AC3E}">
         <p14:creationId xmlns:p14="http://schemas.microsoft.com/office/powerpoint/2010/main" val="96280192"/>
+      </p:ext>
+    </p:extLst>
+  </p:cSld>
+  <p:clrMapOvr>
+    <a:masterClrMapping/>
+  </p:clrMapOvr>
+  <p:timing>
+    <p:tnLst>
+      <p:par>
+        <p:cTn id="1" dur="indefinite" restart="never" nodeType="tmRoot"/>
+      </p:par>
+    </p:tnLst>
+  </p:timing>
+</p:sld>
+</file>
+
+<file path=ppt/slides/slide3.xml><?xml version="1.0" encoding="utf-8"?>
+<p:sld xmlns:a="http://schemas.openxmlformats.org/drawingml/2006/main" xmlns:r="http://schemas.openxmlformats.org/officeDocument/2006/relationships" xmlns:p="http://schemas.openxmlformats.org/presentationml/2006/main">
+  <p:cSld>
+    <p:spTree>
+      <p:nvGrpSpPr>
+        <p:cNvPr id="1" name=""/>
+        <p:cNvGrpSpPr/>
+        <p:nvPr/>
+      </p:nvGrpSpPr>
+      <p:grpSpPr>
+        <a:xfrm>
+          <a:off x="0" y="0"/>
+          <a:ext cx="0" cy="0"/>
+          <a:chOff x="0" y="0"/>
+          <a:chExt cx="0" cy="0"/>
+        </a:xfrm>
+      </p:grpSpPr>
+      <p:sp>
+        <p:nvSpPr>
+          <p:cNvPr id="2" name="Title 1"/>
+          <p:cNvSpPr>
+            <a:spLocks noGrp="1"/>
+          </p:cNvSpPr>
+          <p:nvPr>
+            <p:ph type="title"/>
+          </p:nvPr>
+        </p:nvSpPr>
+        <p:spPr/>
+        <p:txBody>
+          <a:bodyPr/>
+          <a:lstStyle/>
+          <a:p>
+            <a:r>
+              <a:rPr lang="en-US" dirty="0" smtClean="0"/>
+              <a:t>Since Last Time</a:t>
+            </a:r>
+            <a:endParaRPr lang="en-US" dirty="0"/>
+          </a:p>
+        </p:txBody>
+      </p:sp>
+      <p:sp>
+        <p:nvSpPr>
+          <p:cNvPr id="3" name="Content Placeholder 2"/>
+          <p:cNvSpPr>
+            <a:spLocks noGrp="1"/>
+          </p:cNvSpPr>
+          <p:nvPr>
+            <p:ph idx="1"/>
+          </p:nvPr>
+        </p:nvSpPr>
+        <p:spPr/>
+        <p:txBody>
+          <a:bodyPr/>
+          <a:lstStyle/>
+          <a:p>
+            <a:r>
+              <a:rPr lang="en-US" dirty="0" smtClean="0"/>
+              <a:t>Focus narrowed down to PEB &amp; Reader</a:t>
+            </a:r>
+          </a:p>
+          <a:p>
+            <a:r>
+              <a:rPr lang="en-US" dirty="0" smtClean="0"/>
+              <a:t>Good News:</a:t>
+            </a:r>
+          </a:p>
+          <a:p>
+            <a:pPr lvl="1"/>
+            <a:r>
+              <a:rPr lang="en-US" dirty="0" smtClean="0"/>
+              <a:t>Almost no time burned due to shipping</a:t>
+            </a:r>
+          </a:p>
+          <a:p>
+            <a:r>
+              <a:rPr lang="en-US" dirty="0" smtClean="0"/>
+              <a:t>Bad News:</a:t>
+            </a:r>
+          </a:p>
+          <a:p>
+            <a:pPr lvl="1"/>
+            <a:r>
+              <a:rPr lang="en-US" dirty="0" smtClean="0"/>
+              <a:t>Lots of time burned to rabbit holes</a:t>
+            </a:r>
+          </a:p>
+          <a:p>
+            <a:pPr lvl="1"/>
+            <a:r>
+              <a:rPr lang="en-US" dirty="0" smtClean="0"/>
+              <a:t>Lots of time burned to dead ends</a:t>
+            </a:r>
+          </a:p>
+          <a:p>
+            <a:pPr lvl="1"/>
+            <a:r>
+              <a:rPr lang="en-US" dirty="0" smtClean="0"/>
+              <a:t>Lots of time burned to finding information</a:t>
+            </a:r>
+          </a:p>
+          <a:p>
+            <a:endParaRPr lang="en-US" dirty="0" smtClean="0"/>
+          </a:p>
+        </p:txBody>
+      </p:sp>
+      <p:pic>
+        <p:nvPicPr>
+          <p:cNvPr id="6" name="Picture 5"/>
+          <p:cNvPicPr>
+            <a:picLocks noChangeAspect="1"/>
+          </p:cNvPicPr>
+          <p:nvPr/>
+        </p:nvPicPr>
+        <p:blipFill rotWithShape="1">
+          <a:blip r:embed="rId2">
+            <a:extLst>
+              <a:ext uri="{28A0092B-C50C-407E-A947-70E740481C1C}">
+                <a14:useLocalDpi xmlns:a14="http://schemas.microsoft.com/office/drawing/2010/main" val="0"/>
+              </a:ext>
+            </a:extLst>
+          </a:blip>
+          <a:srcRect l="17838" r="-1" b="24999"/>
+          <a:stretch/>
+        </p:blipFill>
+        <p:spPr>
+          <a:xfrm>
+            <a:off x="0" y="-295540"/>
+            <a:ext cx="8589645" cy="7157659"/>
+          </a:xfrm>
+          <a:prstGeom prst="rect">
+            <a:avLst/>
+          </a:prstGeom>
+        </p:spPr>
+      </p:pic>
+    </p:spTree>
+    <p:extLst>
+      <p:ext uri="{BB962C8B-B14F-4D97-AF65-F5344CB8AC3E}">
+        <p14:creationId xmlns:p14="http://schemas.microsoft.com/office/powerpoint/2010/main" val="3229852352"/>
+      </p:ext>
+    </p:extLst>
+  </p:cSld>
+  <p:clrMapOvr>
+    <a:masterClrMapping/>
+  </p:clrMapOvr>
+  <p:timing>
+    <p:tnLst>
+      <p:par>
+        <p:cTn id="1" dur="indefinite" restart="never" nodeType="tmRoot"/>
+      </p:par>
+    </p:tnLst>
+  </p:timing>
+</p:sld>
+</file>
+
+<file path=ppt/slides/slide4.xml><?xml version="1.0" encoding="utf-8"?>
+<p:sld xmlns:a="http://schemas.openxmlformats.org/drawingml/2006/main" xmlns:r="http://schemas.openxmlformats.org/officeDocument/2006/relationships" xmlns:p="http://schemas.openxmlformats.org/presentationml/2006/main">
+  <p:cSld>
+    <p:spTree>
+      <p:nvGrpSpPr>
+        <p:cNvPr id="1" name=""/>
+        <p:cNvGrpSpPr/>
+        <p:nvPr/>
+      </p:nvGrpSpPr>
+      <p:grpSpPr>
+        <a:xfrm>
+          <a:off x="0" y="0"/>
+          <a:ext cx="0" cy="0"/>
+          <a:chOff x="0" y="0"/>
+          <a:chExt cx="0" cy="0"/>
+        </a:xfrm>
+      </p:grpSpPr>
+      <p:sp>
+        <p:nvSpPr>
+          <p:cNvPr id="2" name="Title 1"/>
+          <p:cNvSpPr>
+            <a:spLocks noGrp="1"/>
+          </p:cNvSpPr>
+          <p:nvPr>
+            <p:ph type="title"/>
+          </p:nvPr>
+        </p:nvSpPr>
+        <p:spPr/>
+        <p:txBody>
+          <a:bodyPr/>
+          <a:lstStyle/>
+          <a:p>
+            <a:r>
+              <a:rPr lang="en-US" dirty="0" smtClean="0"/>
+              <a:t>PEB Attack Vector</a:t>
+            </a:r>
+            <a:endParaRPr lang="en-US" dirty="0"/>
+          </a:p>
+        </p:txBody>
+      </p:sp>
+      <p:sp>
+        <p:nvSpPr>
+          <p:cNvPr id="3" name="Content Placeholder 2"/>
+          <p:cNvSpPr>
+            <a:spLocks noGrp="1"/>
+          </p:cNvSpPr>
+          <p:nvPr>
+            <p:ph idx="1"/>
+          </p:nvPr>
+        </p:nvSpPr>
+        <p:spPr/>
+        <p:txBody>
+          <a:bodyPr/>
+          <a:lstStyle/>
+          <a:p>
+            <a:endParaRPr lang="en-US" dirty="0"/>
+          </a:p>
+        </p:txBody>
+      </p:sp>
+      <p:pic>
+        <p:nvPicPr>
+          <p:cNvPr id="4" name="Picture 2" descr="http://yjsoon.com/wp-content/uploads/2011/08/Hacker-stock-art-%E2%80%93-Boing-Boing.png"/>
+          <p:cNvPicPr>
+            <a:picLocks noChangeAspect="1" noChangeArrowheads="1"/>
+          </p:cNvPicPr>
+          <p:nvPr/>
+        </p:nvPicPr>
+        <p:blipFill rotWithShape="1">
+          <a:blip r:embed="rId2">
+            <a:extLst>
+              <a:ext uri="{28A0092B-C50C-407E-A947-70E740481C1C}">
+                <a14:useLocalDpi xmlns:a14="http://schemas.microsoft.com/office/drawing/2010/main" val="0"/>
+              </a:ext>
+            </a:extLst>
+          </a:blip>
+          <a:srcRect l="12012" t="-1" r="20341" b="-1193"/>
+          <a:stretch/>
+        </p:blipFill>
+        <p:spPr bwMode="auto">
+          <a:xfrm rot="13295708">
+            <a:off x="6482269" y="-502002"/>
+            <a:ext cx="2922867" cy="3480314"/>
+          </a:xfrm>
+          <a:prstGeom prst="rect">
+            <a:avLst/>
+          </a:prstGeom>
+          <a:noFill/>
+          <a:extLst>
+            <a:ext uri="{909E8E84-426E-40DD-AFC4-6F175D3DCCD1}">
+              <a14:hiddenFill xmlns:a14="http://schemas.microsoft.com/office/drawing/2010/main">
+                <a:solidFill>
+                  <a:srgbClr val="FFFFFF"/>
+                </a:solidFill>
+              </a14:hiddenFill>
+            </a:ext>
+          </a:extLst>
+        </p:spPr>
+      </p:pic>
+    </p:spTree>
+    <p:extLst>
+      <p:ext uri="{BB962C8B-B14F-4D97-AF65-F5344CB8AC3E}">
+        <p14:creationId xmlns:p14="http://schemas.microsoft.com/office/powerpoint/2010/main" val="954243201"/>
+      </p:ext>
+    </p:extLst>
+  </p:cSld>
+  <p:clrMapOvr>
+    <a:masterClrMapping/>
+  </p:clrMapOvr>
+  <p:timing>
+    <p:tnLst>
+      <p:par>
+        <p:cTn id="1" dur="indefinite" restart="never" nodeType="tmRoot"/>
+      </p:par>
+    </p:tnLst>
+  </p:timing>
+</p:sld>
+</file>
+
+<file path=ppt/slides/slide5.xml><?xml version="1.0" encoding="utf-8"?>
+<p:sld xmlns:a="http://schemas.openxmlformats.org/drawingml/2006/main" xmlns:r="http://schemas.openxmlformats.org/officeDocument/2006/relationships" xmlns:p="http://schemas.openxmlformats.org/presentationml/2006/main">
+  <p:cSld>
+    <p:spTree>
+      <p:nvGrpSpPr>
+        <p:cNvPr id="1" name=""/>
+        <p:cNvGrpSpPr/>
+        <p:nvPr/>
+      </p:nvGrpSpPr>
+      <p:grpSpPr>
+        <a:xfrm>
+          <a:off x="0" y="0"/>
+          <a:ext cx="0" cy="0"/>
+          <a:chOff x="0" y="0"/>
+          <a:chExt cx="0" cy="0"/>
+        </a:xfrm>
+      </p:grpSpPr>
+      <p:sp>
+        <p:nvSpPr>
+          <p:cNvPr id="2" name="Title 1"/>
+          <p:cNvSpPr>
+            <a:spLocks noGrp="1"/>
+          </p:cNvSpPr>
+          <p:nvPr>
+            <p:ph type="title"/>
+          </p:nvPr>
+        </p:nvSpPr>
+        <p:spPr/>
+        <p:txBody>
+          <a:bodyPr/>
+          <a:lstStyle/>
+          <a:p>
+            <a:r>
+              <a:rPr lang="en-US" dirty="0" smtClean="0"/>
+              <a:t>Bus Pirate</a:t>
+            </a:r>
+            <a:endParaRPr lang="en-US" dirty="0"/>
+          </a:p>
+        </p:txBody>
+      </p:sp>
+      <p:sp>
+        <p:nvSpPr>
+          <p:cNvPr id="3" name="Content Placeholder 2"/>
+          <p:cNvSpPr>
+            <a:spLocks noGrp="1"/>
+          </p:cNvSpPr>
+          <p:nvPr>
+            <p:ph idx="1"/>
+          </p:nvPr>
+        </p:nvSpPr>
+        <p:spPr/>
+        <p:txBody>
+          <a:bodyPr/>
+          <a:lstStyle/>
+          <a:p>
+            <a:endParaRPr lang="en-US" dirty="0"/>
+          </a:p>
+        </p:txBody>
+      </p:sp>
+      <p:pic>
+        <p:nvPicPr>
+          <p:cNvPr id="4" name="Picture 2" descr="http://yjsoon.com/wp-content/uploads/2011/08/Hacker-stock-art-%E2%80%93-Boing-Boing.png"/>
+          <p:cNvPicPr>
+            <a:picLocks noChangeAspect="1" noChangeArrowheads="1"/>
+          </p:cNvPicPr>
+          <p:nvPr/>
+        </p:nvPicPr>
+        <p:blipFill rotWithShape="1">
+          <a:blip r:embed="rId2">
+            <a:extLst>
+              <a:ext uri="{28A0092B-C50C-407E-A947-70E740481C1C}">
+                <a14:useLocalDpi xmlns:a14="http://schemas.microsoft.com/office/drawing/2010/main" val="0"/>
+              </a:ext>
+            </a:extLst>
+          </a:blip>
+          <a:srcRect l="12012" t="48023"/>
+          <a:stretch/>
+        </p:blipFill>
+        <p:spPr bwMode="auto">
+          <a:xfrm rot="10800000">
+            <a:off x="5342257" y="5280452"/>
+            <a:ext cx="3801741" cy="1787612"/>
+          </a:xfrm>
+          <a:prstGeom prst="rect">
+            <a:avLst/>
+          </a:prstGeom>
+          <a:ln>
+            <a:noFill/>
+          </a:ln>
+          <a:effectLst>
+            <a:softEdge rad="112500"/>
+          </a:effectLst>
+          <a:extLst>
+            <a:ext uri="{909E8E84-426E-40DD-AFC4-6F175D3DCCD1}">
+              <a14:hiddenFill xmlns:a14="http://schemas.microsoft.com/office/drawing/2010/main">
+                <a:solidFill>
+                  <a:srgbClr val="FFFFFF"/>
+                </a:solidFill>
+              </a14:hiddenFill>
+            </a:ext>
+          </a:extLst>
+        </p:spPr>
+      </p:pic>
+    </p:spTree>
+    <p:extLst>
+      <p:ext uri="{BB962C8B-B14F-4D97-AF65-F5344CB8AC3E}">
+        <p14:creationId xmlns:p14="http://schemas.microsoft.com/office/powerpoint/2010/main" val="1727688997"/>
+      </p:ext>
+    </p:extLst>
+  </p:cSld>
+  <p:clrMapOvr>
+    <a:masterClrMapping/>
+  </p:clrMapOvr>
+  <p:timing>
+    <p:tnLst>
+      <p:par>
+        <p:cTn id="1" dur="indefinite" restart="never" nodeType="tmRoot"/>
+      </p:par>
+    </p:tnLst>
+  </p:timing>
+</p:sld>
+</file>
+
+<file path=ppt/slides/slide6.xml><?xml version="1.0" encoding="utf-8"?>
+<p:sld xmlns:a="http://schemas.openxmlformats.org/drawingml/2006/main" xmlns:r="http://schemas.openxmlformats.org/officeDocument/2006/relationships" xmlns:p="http://schemas.openxmlformats.org/presentationml/2006/main">
+  <p:cSld>
+    <p:spTree>
+      <p:nvGrpSpPr>
+        <p:cNvPr id="1" name=""/>
+        <p:cNvGrpSpPr/>
+        <p:nvPr/>
+      </p:nvGrpSpPr>
+      <p:grpSpPr>
+        <a:xfrm>
+          <a:off x="0" y="0"/>
+          <a:ext cx="0" cy="0"/>
+          <a:chOff x="0" y="0"/>
+          <a:chExt cx="0" cy="0"/>
+        </a:xfrm>
+      </p:grpSpPr>
+      <p:sp>
+        <p:nvSpPr>
+          <p:cNvPr id="2" name="Title 1"/>
+          <p:cNvSpPr>
+            <a:spLocks noGrp="1"/>
+          </p:cNvSpPr>
+          <p:nvPr>
+            <p:ph type="title"/>
+          </p:nvPr>
+        </p:nvSpPr>
+        <p:spPr/>
+        <p:txBody>
+          <a:bodyPr/>
+          <a:lstStyle/>
+          <a:p>
+            <a:r>
+              <a:rPr lang="en-US" dirty="0" smtClean="0"/>
+              <a:t>PEB Reader Code Dump</a:t>
+            </a:r>
+            <a:endParaRPr lang="en-US" dirty="0"/>
+          </a:p>
+        </p:txBody>
+      </p:sp>
+      <p:sp>
+        <p:nvSpPr>
+          <p:cNvPr id="3" name="Content Placeholder 2"/>
+          <p:cNvSpPr>
+            <a:spLocks noGrp="1"/>
+          </p:cNvSpPr>
+          <p:nvPr>
+            <p:ph idx="1"/>
+          </p:nvPr>
+        </p:nvSpPr>
+        <p:spPr/>
+        <p:txBody>
+          <a:bodyPr/>
+          <a:lstStyle/>
+          <a:p>
+            <a:endParaRPr lang="en-US"/>
+          </a:p>
+        </p:txBody>
+      </p:sp>
+    </p:spTree>
+    <p:extLst>
+      <p:ext uri="{BB962C8B-B14F-4D97-AF65-F5344CB8AC3E}">
+        <p14:creationId xmlns:p14="http://schemas.microsoft.com/office/powerpoint/2010/main" val="2546594091"/>
+      </p:ext>
+    </p:extLst>
+  </p:cSld>
+  <p:clrMapOvr>
+    <a:masterClrMapping/>
+  </p:clrMapOvr>
+  <p:timing>
+    <p:tnLst>
+      <p:par>
+        <p:cTn id="1" dur="indefinite" restart="never" nodeType="tmRoot"/>
+      </p:par>
+    </p:tnLst>
+  </p:timing>
+</p:sld>
+</file>
+
+<file path=ppt/slides/slide7.xml><?xml version="1.0" encoding="utf-8"?>
+<p:sld xmlns:a="http://schemas.openxmlformats.org/drawingml/2006/main" xmlns:r="http://schemas.openxmlformats.org/officeDocument/2006/relationships" xmlns:p="http://schemas.openxmlformats.org/presentationml/2006/main">
+  <p:cSld>
+    <p:spTree>
+      <p:nvGrpSpPr>
+        <p:cNvPr id="1" name=""/>
+        <p:cNvGrpSpPr/>
+        <p:nvPr/>
+      </p:nvGrpSpPr>
+      <p:grpSpPr>
+        <a:xfrm>
+          <a:off x="0" y="0"/>
+          <a:ext cx="0" cy="0"/>
+          <a:chOff x="0" y="0"/>
+          <a:chExt cx="0" cy="0"/>
+        </a:xfrm>
+      </p:grpSpPr>
+      <p:sp>
+        <p:nvSpPr>
+          <p:cNvPr id="2" name="Title 1"/>
+          <p:cNvSpPr>
+            <a:spLocks noGrp="1"/>
+          </p:cNvSpPr>
+          <p:nvPr>
+            <p:ph type="title"/>
+          </p:nvPr>
+        </p:nvSpPr>
+        <p:spPr/>
+        <p:txBody>
+          <a:bodyPr/>
+          <a:lstStyle/>
+          <a:p>
+            <a:r>
+              <a:rPr lang="en-US" dirty="0" smtClean="0"/>
+              <a:t>Summary</a:t>
+            </a:r>
+            <a:endParaRPr lang="en-US" dirty="0"/>
+          </a:p>
+        </p:txBody>
+      </p:sp>
+      <p:sp>
+        <p:nvSpPr>
+          <p:cNvPr id="3" name="Content Placeholder 2"/>
+          <p:cNvSpPr>
+            <a:spLocks noGrp="1"/>
+          </p:cNvSpPr>
+          <p:nvPr>
+            <p:ph idx="1"/>
+          </p:nvPr>
+        </p:nvSpPr>
+        <p:spPr/>
+        <p:txBody>
+          <a:bodyPr/>
+          <a:lstStyle/>
+          <a:p>
+            <a:r>
+              <a:rPr lang="en-US" dirty="0" smtClean="0"/>
+              <a:t>Reverse engineering computer systems is difficult</a:t>
+            </a:r>
+            <a:endParaRPr lang="en-US" dirty="0"/>
+          </a:p>
+        </p:txBody>
+      </p:sp>
+    </p:spTree>
+    <p:extLst>
+      <p:ext uri="{BB962C8B-B14F-4D97-AF65-F5344CB8AC3E}">
+        <p14:creationId xmlns:p14="http://schemas.microsoft.com/office/powerpoint/2010/main" val="3665108406"/>
       </p:ext>
     </p:extLst>
   </p:cSld>

--- a/docs/final-presentation.pptx
+++ b/docs/final-presentation.pptx
@@ -4,6 +4,9 @@
   <p:sldMasterIdLst>
     <p:sldMasterId id="2147483660" r:id="rId1"/>
   </p:sldMasterIdLst>
+  <p:notesMasterIdLst>
+    <p:notesMasterId r:id="rId9"/>
+  </p:notesMasterIdLst>
   <p:sldIdLst>
     <p:sldId id="256" r:id="rId2"/>
     <p:sldId id="257" r:id="rId3"/>
@@ -118,6 +121,1114 @@
 </p:presentation>
 </file>
 
+<file path=ppt/notesMasters/notesMaster1.xml><?xml version="1.0" encoding="utf-8"?>
+<p:notesMaster xmlns:a="http://schemas.openxmlformats.org/drawingml/2006/main" xmlns:r="http://schemas.openxmlformats.org/officeDocument/2006/relationships" xmlns:p="http://schemas.openxmlformats.org/presentationml/2006/main">
+  <p:cSld>
+    <p:bg>
+      <p:bgRef idx="1001">
+        <a:schemeClr val="bg1"/>
+      </p:bgRef>
+    </p:bg>
+    <p:spTree>
+      <p:nvGrpSpPr>
+        <p:cNvPr id="1" name=""/>
+        <p:cNvGrpSpPr/>
+        <p:nvPr/>
+      </p:nvGrpSpPr>
+      <p:grpSpPr>
+        <a:xfrm>
+          <a:off x="0" y="0"/>
+          <a:ext cx="0" cy="0"/>
+          <a:chOff x="0" y="0"/>
+          <a:chExt cx="0" cy="0"/>
+        </a:xfrm>
+      </p:grpSpPr>
+      <p:sp>
+        <p:nvSpPr>
+          <p:cNvPr id="2" name="Header Placeholder 1"/>
+          <p:cNvSpPr>
+            <a:spLocks noGrp="1"/>
+          </p:cNvSpPr>
+          <p:nvPr>
+            <p:ph type="hdr" sz="quarter"/>
+          </p:nvPr>
+        </p:nvSpPr>
+        <p:spPr>
+          <a:xfrm>
+            <a:off x="0" y="0"/>
+            <a:ext cx="2971800" cy="458788"/>
+          </a:xfrm>
+          <a:prstGeom prst="rect">
+            <a:avLst/>
+          </a:prstGeom>
+        </p:spPr>
+        <p:txBody>
+          <a:bodyPr vert="horz" lIns="91440" tIns="45720" rIns="91440" bIns="45720" rtlCol="0"/>
+          <a:lstStyle>
+            <a:lvl1pPr algn="l">
+              <a:defRPr sz="1200"/>
+            </a:lvl1pPr>
+          </a:lstStyle>
+          <a:p>
+            <a:endParaRPr lang="en-US"/>
+          </a:p>
+        </p:txBody>
+      </p:sp>
+      <p:sp>
+        <p:nvSpPr>
+          <p:cNvPr id="3" name="Date Placeholder 2"/>
+          <p:cNvSpPr>
+            <a:spLocks noGrp="1"/>
+          </p:cNvSpPr>
+          <p:nvPr>
+            <p:ph type="dt" idx="1"/>
+          </p:nvPr>
+        </p:nvSpPr>
+        <p:spPr>
+          <a:xfrm>
+            <a:off x="3884613" y="0"/>
+            <a:ext cx="2971800" cy="458788"/>
+          </a:xfrm>
+          <a:prstGeom prst="rect">
+            <a:avLst/>
+          </a:prstGeom>
+        </p:spPr>
+        <p:txBody>
+          <a:bodyPr vert="horz" lIns="91440" tIns="45720" rIns="91440" bIns="45720" rtlCol="0"/>
+          <a:lstStyle>
+            <a:lvl1pPr algn="r">
+              <a:defRPr sz="1200"/>
+            </a:lvl1pPr>
+          </a:lstStyle>
+          <a:p>
+            <a:fld id="{9D68DE67-432A-4657-9797-541028F5F401}" type="datetimeFigureOut">
+              <a:rPr lang="en-US" smtClean="0"/>
+              <a:t>4/29/2016</a:t>
+            </a:fld>
+            <a:endParaRPr lang="en-US"/>
+          </a:p>
+        </p:txBody>
+      </p:sp>
+      <p:sp>
+        <p:nvSpPr>
+          <p:cNvPr id="4" name="Slide Image Placeholder 3"/>
+          <p:cNvSpPr>
+            <a:spLocks noGrp="1" noRot="1" noChangeAspect="1"/>
+          </p:cNvSpPr>
+          <p:nvPr>
+            <p:ph type="sldImg" idx="2"/>
+          </p:nvPr>
+        </p:nvSpPr>
+        <p:spPr>
+          <a:xfrm>
+            <a:off x="1371600" y="1143000"/>
+            <a:ext cx="4114800" cy="3086100"/>
+          </a:xfrm>
+          <a:prstGeom prst="rect">
+            <a:avLst/>
+          </a:prstGeom>
+          <a:noFill/>
+          <a:ln w="12700">
+            <a:solidFill>
+              <a:prstClr val="black"/>
+            </a:solidFill>
+          </a:ln>
+        </p:spPr>
+        <p:txBody>
+          <a:bodyPr vert="horz" lIns="91440" tIns="45720" rIns="91440" bIns="45720" rtlCol="0" anchor="ctr"/>
+          <a:lstStyle/>
+          <a:p>
+            <a:endParaRPr lang="en-US"/>
+          </a:p>
+        </p:txBody>
+      </p:sp>
+      <p:sp>
+        <p:nvSpPr>
+          <p:cNvPr id="5" name="Notes Placeholder 4"/>
+          <p:cNvSpPr>
+            <a:spLocks noGrp="1"/>
+          </p:cNvSpPr>
+          <p:nvPr>
+            <p:ph type="body" sz="quarter" idx="3"/>
+          </p:nvPr>
+        </p:nvSpPr>
+        <p:spPr>
+          <a:xfrm>
+            <a:off x="685800" y="4400550"/>
+            <a:ext cx="5486400" cy="3600450"/>
+          </a:xfrm>
+          <a:prstGeom prst="rect">
+            <a:avLst/>
+          </a:prstGeom>
+        </p:spPr>
+        <p:txBody>
+          <a:bodyPr vert="horz" lIns="91440" tIns="45720" rIns="91440" bIns="45720" rtlCol="0"/>
+          <a:lstStyle/>
+          <a:p>
+            <a:pPr lvl="0"/>
+            <a:r>
+              <a:rPr lang="en-US" smtClean="0"/>
+              <a:t>Edit Master text styles</a:t>
+            </a:r>
+          </a:p>
+          <a:p>
+            <a:pPr lvl="1"/>
+            <a:r>
+              <a:rPr lang="en-US" smtClean="0"/>
+              <a:t>Second level</a:t>
+            </a:r>
+          </a:p>
+          <a:p>
+            <a:pPr lvl="2"/>
+            <a:r>
+              <a:rPr lang="en-US" smtClean="0"/>
+              <a:t>Third level</a:t>
+            </a:r>
+          </a:p>
+          <a:p>
+            <a:pPr lvl="3"/>
+            <a:r>
+              <a:rPr lang="en-US" smtClean="0"/>
+              <a:t>Fourth level</a:t>
+            </a:r>
+          </a:p>
+          <a:p>
+            <a:pPr lvl="4"/>
+            <a:r>
+              <a:rPr lang="en-US" smtClean="0"/>
+              <a:t>Fifth level</a:t>
+            </a:r>
+            <a:endParaRPr lang="en-US"/>
+          </a:p>
+        </p:txBody>
+      </p:sp>
+      <p:sp>
+        <p:nvSpPr>
+          <p:cNvPr id="6" name="Footer Placeholder 5"/>
+          <p:cNvSpPr>
+            <a:spLocks noGrp="1"/>
+          </p:cNvSpPr>
+          <p:nvPr>
+            <p:ph type="ftr" sz="quarter" idx="4"/>
+          </p:nvPr>
+        </p:nvSpPr>
+        <p:spPr>
+          <a:xfrm>
+            <a:off x="0" y="8685213"/>
+            <a:ext cx="2971800" cy="458787"/>
+          </a:xfrm>
+          <a:prstGeom prst="rect">
+            <a:avLst/>
+          </a:prstGeom>
+        </p:spPr>
+        <p:txBody>
+          <a:bodyPr vert="horz" lIns="91440" tIns="45720" rIns="91440" bIns="45720" rtlCol="0" anchor="b"/>
+          <a:lstStyle>
+            <a:lvl1pPr algn="l">
+              <a:defRPr sz="1200"/>
+            </a:lvl1pPr>
+          </a:lstStyle>
+          <a:p>
+            <a:endParaRPr lang="en-US"/>
+          </a:p>
+        </p:txBody>
+      </p:sp>
+      <p:sp>
+        <p:nvSpPr>
+          <p:cNvPr id="7" name="Slide Number Placeholder 6"/>
+          <p:cNvSpPr>
+            <a:spLocks noGrp="1"/>
+          </p:cNvSpPr>
+          <p:nvPr>
+            <p:ph type="sldNum" sz="quarter" idx="5"/>
+          </p:nvPr>
+        </p:nvSpPr>
+        <p:spPr>
+          <a:xfrm>
+            <a:off x="3884613" y="8685213"/>
+            <a:ext cx="2971800" cy="458787"/>
+          </a:xfrm>
+          <a:prstGeom prst="rect">
+            <a:avLst/>
+          </a:prstGeom>
+        </p:spPr>
+        <p:txBody>
+          <a:bodyPr vert="horz" lIns="91440" tIns="45720" rIns="91440" bIns="45720" rtlCol="0" anchor="b"/>
+          <a:lstStyle>
+            <a:lvl1pPr algn="r">
+              <a:defRPr sz="1200"/>
+            </a:lvl1pPr>
+          </a:lstStyle>
+          <a:p>
+            <a:fld id="{A91F97F6-4AA0-4A56-917C-236250774E5B}" type="slidenum">
+              <a:rPr lang="en-US" smtClean="0"/>
+              <a:t>‹#›</a:t>
+            </a:fld>
+            <a:endParaRPr lang="en-US"/>
+          </a:p>
+        </p:txBody>
+      </p:sp>
+    </p:spTree>
+    <p:extLst>
+      <p:ext uri="{BB962C8B-B14F-4D97-AF65-F5344CB8AC3E}">
+        <p14:creationId xmlns:p14="http://schemas.microsoft.com/office/powerpoint/2010/main" val="2192420214"/>
+      </p:ext>
+    </p:extLst>
+  </p:cSld>
+  <p:clrMap bg1="lt1" tx1="dk1" bg2="lt2" tx2="dk2" accent1="accent1" accent2="accent2" accent3="accent3" accent4="accent4" accent5="accent5" accent6="accent6" hlink="hlink" folHlink="folHlink"/>
+  <p:notesStyle>
+    <a:lvl1pPr marL="0" algn="l" defTabSz="914400" rtl="0" eaLnBrk="1" latinLnBrk="0" hangingPunct="1">
+      <a:defRPr sz="1200" kern="1200">
+        <a:solidFill>
+          <a:schemeClr val="tx1"/>
+        </a:solidFill>
+        <a:latin typeface="+mn-lt"/>
+        <a:ea typeface="+mn-ea"/>
+        <a:cs typeface="+mn-cs"/>
+      </a:defRPr>
+    </a:lvl1pPr>
+    <a:lvl2pPr marL="457200" algn="l" defTabSz="914400" rtl="0" eaLnBrk="1" latinLnBrk="0" hangingPunct="1">
+      <a:defRPr sz="1200" kern="1200">
+        <a:solidFill>
+          <a:schemeClr val="tx1"/>
+        </a:solidFill>
+        <a:latin typeface="+mn-lt"/>
+        <a:ea typeface="+mn-ea"/>
+        <a:cs typeface="+mn-cs"/>
+      </a:defRPr>
+    </a:lvl2pPr>
+    <a:lvl3pPr marL="914400" algn="l" defTabSz="914400" rtl="0" eaLnBrk="1" latinLnBrk="0" hangingPunct="1">
+      <a:defRPr sz="1200" kern="1200">
+        <a:solidFill>
+          <a:schemeClr val="tx1"/>
+        </a:solidFill>
+        <a:latin typeface="+mn-lt"/>
+        <a:ea typeface="+mn-ea"/>
+        <a:cs typeface="+mn-cs"/>
+      </a:defRPr>
+    </a:lvl3pPr>
+    <a:lvl4pPr marL="1371600" algn="l" defTabSz="914400" rtl="0" eaLnBrk="1" latinLnBrk="0" hangingPunct="1">
+      <a:defRPr sz="1200" kern="1200">
+        <a:solidFill>
+          <a:schemeClr val="tx1"/>
+        </a:solidFill>
+        <a:latin typeface="+mn-lt"/>
+        <a:ea typeface="+mn-ea"/>
+        <a:cs typeface="+mn-cs"/>
+      </a:defRPr>
+    </a:lvl4pPr>
+    <a:lvl5pPr marL="1828800" algn="l" defTabSz="914400" rtl="0" eaLnBrk="1" latinLnBrk="0" hangingPunct="1">
+      <a:defRPr sz="1200" kern="1200">
+        <a:solidFill>
+          <a:schemeClr val="tx1"/>
+        </a:solidFill>
+        <a:latin typeface="+mn-lt"/>
+        <a:ea typeface="+mn-ea"/>
+        <a:cs typeface="+mn-cs"/>
+      </a:defRPr>
+    </a:lvl5pPr>
+    <a:lvl6pPr marL="2286000" algn="l" defTabSz="914400" rtl="0" eaLnBrk="1" latinLnBrk="0" hangingPunct="1">
+      <a:defRPr sz="1200" kern="1200">
+        <a:solidFill>
+          <a:schemeClr val="tx1"/>
+        </a:solidFill>
+        <a:latin typeface="+mn-lt"/>
+        <a:ea typeface="+mn-ea"/>
+        <a:cs typeface="+mn-cs"/>
+      </a:defRPr>
+    </a:lvl6pPr>
+    <a:lvl7pPr marL="2743200" algn="l" defTabSz="914400" rtl="0" eaLnBrk="1" latinLnBrk="0" hangingPunct="1">
+      <a:defRPr sz="1200" kern="1200">
+        <a:solidFill>
+          <a:schemeClr val="tx1"/>
+        </a:solidFill>
+        <a:latin typeface="+mn-lt"/>
+        <a:ea typeface="+mn-ea"/>
+        <a:cs typeface="+mn-cs"/>
+      </a:defRPr>
+    </a:lvl7pPr>
+    <a:lvl8pPr marL="3200400" algn="l" defTabSz="914400" rtl="0" eaLnBrk="1" latinLnBrk="0" hangingPunct="1">
+      <a:defRPr sz="1200" kern="1200">
+        <a:solidFill>
+          <a:schemeClr val="tx1"/>
+        </a:solidFill>
+        <a:latin typeface="+mn-lt"/>
+        <a:ea typeface="+mn-ea"/>
+        <a:cs typeface="+mn-cs"/>
+      </a:defRPr>
+    </a:lvl8pPr>
+    <a:lvl9pPr marL="3657600" algn="l" defTabSz="914400" rtl="0" eaLnBrk="1" latinLnBrk="0" hangingPunct="1">
+      <a:defRPr sz="1200" kern="1200">
+        <a:solidFill>
+          <a:schemeClr val="tx1"/>
+        </a:solidFill>
+        <a:latin typeface="+mn-lt"/>
+        <a:ea typeface="+mn-ea"/>
+        <a:cs typeface="+mn-cs"/>
+      </a:defRPr>
+    </a:lvl9pPr>
+  </p:notesStyle>
+</p:notesMaster>
+</file>
+
+<file path=ppt/notesSlides/notesSlide1.xml><?xml version="1.0" encoding="utf-8"?>
+<p:notes xmlns:a="http://schemas.openxmlformats.org/drawingml/2006/main" xmlns:r="http://schemas.openxmlformats.org/officeDocument/2006/relationships" xmlns:p="http://schemas.openxmlformats.org/presentationml/2006/main">
+  <p:cSld>
+    <p:spTree>
+      <p:nvGrpSpPr>
+        <p:cNvPr id="1" name=""/>
+        <p:cNvGrpSpPr/>
+        <p:nvPr/>
+      </p:nvGrpSpPr>
+      <p:grpSpPr>
+        <a:xfrm>
+          <a:off x="0" y="0"/>
+          <a:ext cx="0" cy="0"/>
+          <a:chOff x="0" y="0"/>
+          <a:chExt cx="0" cy="0"/>
+        </a:xfrm>
+      </p:grpSpPr>
+      <p:sp>
+        <p:nvSpPr>
+          <p:cNvPr id="2" name="Slide Image Placeholder 1"/>
+          <p:cNvSpPr>
+            <a:spLocks noGrp="1" noRot="1" noChangeAspect="1"/>
+          </p:cNvSpPr>
+          <p:nvPr>
+            <p:ph type="sldImg"/>
+          </p:nvPr>
+        </p:nvSpPr>
+        <p:spPr/>
+      </p:sp>
+      <p:sp>
+        <p:nvSpPr>
+          <p:cNvPr id="3" name="Notes Placeholder 2"/>
+          <p:cNvSpPr>
+            <a:spLocks noGrp="1"/>
+          </p:cNvSpPr>
+          <p:nvPr>
+            <p:ph type="body" idx="1"/>
+          </p:nvPr>
+        </p:nvSpPr>
+        <p:spPr/>
+        <p:txBody>
+          <a:bodyPr/>
+          <a:lstStyle/>
+          <a:p>
+            <a:r>
+              <a:rPr lang="en-US" dirty="0" err="1" smtClean="0"/>
+              <a:t>Myndert</a:t>
+            </a:r>
+            <a:endParaRPr lang="en-US" dirty="0"/>
+          </a:p>
+        </p:txBody>
+      </p:sp>
+      <p:sp>
+        <p:nvSpPr>
+          <p:cNvPr id="4" name="Slide Number Placeholder 3"/>
+          <p:cNvSpPr>
+            <a:spLocks noGrp="1"/>
+          </p:cNvSpPr>
+          <p:nvPr>
+            <p:ph type="sldNum" sz="quarter" idx="10"/>
+          </p:nvPr>
+        </p:nvSpPr>
+        <p:spPr/>
+        <p:txBody>
+          <a:bodyPr/>
+          <a:lstStyle/>
+          <a:p>
+            <a:fld id="{A91F97F6-4AA0-4A56-917C-236250774E5B}" type="slidenum">
+              <a:rPr lang="en-US" smtClean="0"/>
+              <a:t>2</a:t>
+            </a:fld>
+            <a:endParaRPr lang="en-US"/>
+          </a:p>
+        </p:txBody>
+      </p:sp>
+    </p:spTree>
+    <p:extLst>
+      <p:ext uri="{BB962C8B-B14F-4D97-AF65-F5344CB8AC3E}">
+        <p14:creationId xmlns:p14="http://schemas.microsoft.com/office/powerpoint/2010/main" val="4225881278"/>
+      </p:ext>
+    </p:extLst>
+  </p:cSld>
+  <p:clrMapOvr>
+    <a:masterClrMapping/>
+  </p:clrMapOvr>
+</p:notes>
+</file>
+
+<file path=ppt/notesSlides/notesSlide2.xml><?xml version="1.0" encoding="utf-8"?>
+<p:notes xmlns:a="http://schemas.openxmlformats.org/drawingml/2006/main" xmlns:r="http://schemas.openxmlformats.org/officeDocument/2006/relationships" xmlns:p="http://schemas.openxmlformats.org/presentationml/2006/main">
+  <p:cSld>
+    <p:spTree>
+      <p:nvGrpSpPr>
+        <p:cNvPr id="1" name=""/>
+        <p:cNvGrpSpPr/>
+        <p:nvPr/>
+      </p:nvGrpSpPr>
+      <p:grpSpPr>
+        <a:xfrm>
+          <a:off x="0" y="0"/>
+          <a:ext cx="0" cy="0"/>
+          <a:chOff x="0" y="0"/>
+          <a:chExt cx="0" cy="0"/>
+        </a:xfrm>
+      </p:grpSpPr>
+      <p:sp>
+        <p:nvSpPr>
+          <p:cNvPr id="2" name="Slide Image Placeholder 1"/>
+          <p:cNvSpPr>
+            <a:spLocks noGrp="1" noRot="1" noChangeAspect="1"/>
+          </p:cNvSpPr>
+          <p:nvPr>
+            <p:ph type="sldImg"/>
+          </p:nvPr>
+        </p:nvSpPr>
+        <p:spPr/>
+      </p:sp>
+      <p:sp>
+        <p:nvSpPr>
+          <p:cNvPr id="3" name="Notes Placeholder 2"/>
+          <p:cNvSpPr>
+            <a:spLocks noGrp="1"/>
+          </p:cNvSpPr>
+          <p:nvPr>
+            <p:ph type="body" idx="1"/>
+          </p:nvPr>
+        </p:nvSpPr>
+        <p:spPr/>
+        <p:txBody>
+          <a:bodyPr/>
+          <a:lstStyle/>
+          <a:p>
+            <a:r>
+              <a:rPr lang="en-US" dirty="0" err="1" smtClean="0"/>
+              <a:t>Myndert</a:t>
+            </a:r>
+            <a:endParaRPr lang="en-US" dirty="0" smtClean="0"/>
+          </a:p>
+          <a:p>
+            <a:endParaRPr lang="en-US" dirty="0" smtClean="0"/>
+          </a:p>
+          <a:p>
+            <a:r>
+              <a:rPr lang="en-US" dirty="0" smtClean="0"/>
+              <a:t>Inventory – Chips</a:t>
+            </a:r>
+            <a:r>
+              <a:rPr lang="en-US" baseline="0" dirty="0" smtClean="0"/>
+              <a:t> and datasheets</a:t>
+            </a:r>
+            <a:endParaRPr lang="en-US" dirty="0" smtClean="0"/>
+          </a:p>
+          <a:p>
+            <a:r>
+              <a:rPr lang="en-US" dirty="0" smtClean="0"/>
+              <a:t>Equipment – </a:t>
+            </a:r>
+            <a:r>
+              <a:rPr lang="en-US" dirty="0" err="1" smtClean="0"/>
+              <a:t>PICKit</a:t>
+            </a:r>
+            <a:r>
+              <a:rPr lang="en-US" dirty="0" smtClean="0"/>
+              <a:t> 3 and Bus Pirate</a:t>
+            </a:r>
+          </a:p>
+          <a:p>
+            <a:r>
+              <a:rPr lang="en-US" dirty="0" smtClean="0"/>
+              <a:t>Hex</a:t>
+            </a:r>
+            <a:r>
+              <a:rPr lang="en-US" baseline="0" dirty="0" smtClean="0"/>
+              <a:t> Dump – Talk about MPLABX</a:t>
+            </a:r>
+          </a:p>
+          <a:p>
+            <a:endParaRPr lang="en-US" dirty="0"/>
+          </a:p>
+        </p:txBody>
+      </p:sp>
+      <p:sp>
+        <p:nvSpPr>
+          <p:cNvPr id="4" name="Slide Number Placeholder 3"/>
+          <p:cNvSpPr>
+            <a:spLocks noGrp="1"/>
+          </p:cNvSpPr>
+          <p:nvPr>
+            <p:ph type="sldNum" sz="quarter" idx="10"/>
+          </p:nvPr>
+        </p:nvSpPr>
+        <p:spPr/>
+        <p:txBody>
+          <a:bodyPr/>
+          <a:lstStyle/>
+          <a:p>
+            <a:fld id="{A91F97F6-4AA0-4A56-917C-236250774E5B}" type="slidenum">
+              <a:rPr lang="en-US" smtClean="0"/>
+              <a:t>3</a:t>
+            </a:fld>
+            <a:endParaRPr lang="en-US"/>
+          </a:p>
+        </p:txBody>
+      </p:sp>
+    </p:spTree>
+    <p:extLst>
+      <p:ext uri="{BB962C8B-B14F-4D97-AF65-F5344CB8AC3E}">
+        <p14:creationId xmlns:p14="http://schemas.microsoft.com/office/powerpoint/2010/main" val="1595974155"/>
+      </p:ext>
+    </p:extLst>
+  </p:cSld>
+  <p:clrMapOvr>
+    <a:masterClrMapping/>
+  </p:clrMapOvr>
+</p:notes>
+</file>
+
+<file path=ppt/notesSlides/notesSlide3.xml><?xml version="1.0" encoding="utf-8"?>
+<p:notes xmlns:a="http://schemas.openxmlformats.org/drawingml/2006/main" xmlns:r="http://schemas.openxmlformats.org/officeDocument/2006/relationships" xmlns:p="http://schemas.openxmlformats.org/presentationml/2006/main">
+  <p:cSld>
+    <p:spTree>
+      <p:nvGrpSpPr>
+        <p:cNvPr id="1" name=""/>
+        <p:cNvGrpSpPr/>
+        <p:nvPr/>
+      </p:nvGrpSpPr>
+      <p:grpSpPr>
+        <a:xfrm>
+          <a:off x="0" y="0"/>
+          <a:ext cx="0" cy="0"/>
+          <a:chOff x="0" y="0"/>
+          <a:chExt cx="0" cy="0"/>
+        </a:xfrm>
+      </p:grpSpPr>
+      <p:sp>
+        <p:nvSpPr>
+          <p:cNvPr id="2" name="Slide Image Placeholder 1"/>
+          <p:cNvSpPr>
+            <a:spLocks noGrp="1" noRot="1" noChangeAspect="1"/>
+          </p:cNvSpPr>
+          <p:nvPr>
+            <p:ph type="sldImg"/>
+          </p:nvPr>
+        </p:nvSpPr>
+        <p:spPr/>
+      </p:sp>
+      <p:sp>
+        <p:nvSpPr>
+          <p:cNvPr id="3" name="Notes Placeholder 2"/>
+          <p:cNvSpPr>
+            <a:spLocks noGrp="1"/>
+          </p:cNvSpPr>
+          <p:nvPr>
+            <p:ph type="body" idx="1"/>
+          </p:nvPr>
+        </p:nvSpPr>
+        <p:spPr/>
+        <p:txBody>
+          <a:bodyPr/>
+          <a:lstStyle/>
+          <a:p>
+            <a:r>
+              <a:rPr lang="en-US" dirty="0" smtClean="0"/>
+              <a:t>Philip</a:t>
+            </a:r>
+          </a:p>
+          <a:p>
+            <a:endParaRPr lang="en-US" dirty="0" smtClean="0"/>
+          </a:p>
+          <a:p>
+            <a:r>
+              <a:rPr lang="en-US" dirty="0" smtClean="0"/>
+              <a:t>SPI/UART – Mention what they are</a:t>
+            </a:r>
+          </a:p>
+          <a:p>
+            <a:r>
+              <a:rPr lang="en-US" dirty="0" smtClean="0"/>
+              <a:t>Dead</a:t>
+            </a:r>
+            <a:r>
+              <a:rPr lang="en-US" baseline="0" dirty="0" smtClean="0"/>
+              <a:t> PEB – Some pins weren’t putting out voltage</a:t>
+            </a:r>
+          </a:p>
+          <a:p>
+            <a:r>
+              <a:rPr lang="en-US" baseline="0" dirty="0" err="1" smtClean="0"/>
+              <a:t>iVo</a:t>
+            </a:r>
+            <a:r>
+              <a:rPr lang="en-US" baseline="0" dirty="0" smtClean="0"/>
+              <a:t> – Wiring is too complicated and lack equipment to check for continuity </a:t>
+            </a:r>
+            <a:endParaRPr lang="en-US" dirty="0"/>
+          </a:p>
+        </p:txBody>
+      </p:sp>
+      <p:sp>
+        <p:nvSpPr>
+          <p:cNvPr id="4" name="Slide Number Placeholder 3"/>
+          <p:cNvSpPr>
+            <a:spLocks noGrp="1"/>
+          </p:cNvSpPr>
+          <p:nvPr>
+            <p:ph type="sldNum" sz="quarter" idx="10"/>
+          </p:nvPr>
+        </p:nvSpPr>
+        <p:spPr/>
+        <p:txBody>
+          <a:bodyPr/>
+          <a:lstStyle/>
+          <a:p>
+            <a:fld id="{A91F97F6-4AA0-4A56-917C-236250774E5B}" type="slidenum">
+              <a:rPr lang="en-US" smtClean="0"/>
+              <a:t>4</a:t>
+            </a:fld>
+            <a:endParaRPr lang="en-US"/>
+          </a:p>
+        </p:txBody>
+      </p:sp>
+    </p:spTree>
+    <p:extLst>
+      <p:ext uri="{BB962C8B-B14F-4D97-AF65-F5344CB8AC3E}">
+        <p14:creationId xmlns:p14="http://schemas.microsoft.com/office/powerpoint/2010/main" val="616677684"/>
+      </p:ext>
+    </p:extLst>
+  </p:cSld>
+  <p:clrMapOvr>
+    <a:masterClrMapping/>
+  </p:clrMapOvr>
+</p:notes>
+</file>
+
+<file path=ppt/notesSlides/notesSlide4.xml><?xml version="1.0" encoding="utf-8"?>
+<p:notes xmlns:a="http://schemas.openxmlformats.org/drawingml/2006/main" xmlns:r="http://schemas.openxmlformats.org/officeDocument/2006/relationships" xmlns:p="http://schemas.openxmlformats.org/presentationml/2006/main">
+  <p:cSld>
+    <p:spTree>
+      <p:nvGrpSpPr>
+        <p:cNvPr id="1" name=""/>
+        <p:cNvGrpSpPr/>
+        <p:nvPr/>
+      </p:nvGrpSpPr>
+      <p:grpSpPr>
+        <a:xfrm>
+          <a:off x="0" y="0"/>
+          <a:ext cx="0" cy="0"/>
+          <a:chOff x="0" y="0"/>
+          <a:chExt cx="0" cy="0"/>
+        </a:xfrm>
+      </p:grpSpPr>
+      <p:sp>
+        <p:nvSpPr>
+          <p:cNvPr id="2" name="Slide Image Placeholder 1"/>
+          <p:cNvSpPr>
+            <a:spLocks noGrp="1" noRot="1" noChangeAspect="1"/>
+          </p:cNvSpPr>
+          <p:nvPr>
+            <p:ph type="sldImg"/>
+          </p:nvPr>
+        </p:nvSpPr>
+        <p:spPr/>
+      </p:sp>
+      <p:sp>
+        <p:nvSpPr>
+          <p:cNvPr id="3" name="Notes Placeholder 2"/>
+          <p:cNvSpPr>
+            <a:spLocks noGrp="1"/>
+          </p:cNvSpPr>
+          <p:nvPr>
+            <p:ph type="body" idx="1"/>
+          </p:nvPr>
+        </p:nvSpPr>
+        <p:spPr/>
+        <p:txBody>
+          <a:bodyPr/>
+          <a:lstStyle/>
+          <a:p>
+            <a:r>
+              <a:rPr lang="en-US" dirty="0" smtClean="0"/>
+              <a:t>Xander</a:t>
+            </a:r>
+          </a:p>
+          <a:p>
+            <a:endParaRPr lang="en-US" dirty="0" smtClean="0"/>
+          </a:p>
+          <a:p>
+            <a:r>
+              <a:rPr lang="en-US" dirty="0" smtClean="0"/>
+              <a:t>Changing</a:t>
+            </a:r>
+            <a:r>
+              <a:rPr lang="en-US" baseline="0" dirty="0" smtClean="0"/>
+              <a:t> votes – aware/unaware voter</a:t>
+            </a:r>
+          </a:p>
+          <a:p>
+            <a:r>
+              <a:rPr lang="en-US" dirty="0" smtClean="0"/>
+              <a:t>Discarding</a:t>
+            </a:r>
+            <a:r>
+              <a:rPr lang="en-US" baseline="0" dirty="0" smtClean="0"/>
+              <a:t> votes – use of fleeing voter</a:t>
+            </a:r>
+          </a:p>
+          <a:p>
+            <a:endParaRPr lang="en-US" baseline="0" dirty="0" smtClean="0"/>
+          </a:p>
+          <a:p>
+            <a:r>
+              <a:rPr lang="en-US" baseline="0" dirty="0" smtClean="0"/>
+              <a:t>Denial of service – bad flash card sends </a:t>
+            </a:r>
+            <a:r>
+              <a:rPr lang="en-US" baseline="0" dirty="0" err="1" smtClean="0"/>
+              <a:t>iVotronic</a:t>
+            </a:r>
+            <a:r>
+              <a:rPr lang="en-US" baseline="0" dirty="0" smtClean="0"/>
+              <a:t> into </a:t>
+            </a:r>
+            <a:r>
+              <a:rPr lang="en-US" baseline="0" dirty="0" err="1" smtClean="0"/>
+              <a:t>bootloop</a:t>
+            </a:r>
+            <a:endParaRPr lang="en-US" baseline="0" dirty="0" smtClean="0"/>
+          </a:p>
+          <a:p>
+            <a:r>
+              <a:rPr lang="en-US" baseline="0" dirty="0" smtClean="0"/>
+              <a:t>Arbitrary code execution – buffer overflow on a stack, can set return address anywhere we want</a:t>
+            </a:r>
+            <a:endParaRPr lang="en-US" dirty="0"/>
+          </a:p>
+        </p:txBody>
+      </p:sp>
+      <p:sp>
+        <p:nvSpPr>
+          <p:cNvPr id="4" name="Slide Number Placeholder 3"/>
+          <p:cNvSpPr>
+            <a:spLocks noGrp="1"/>
+          </p:cNvSpPr>
+          <p:nvPr>
+            <p:ph type="sldNum" sz="quarter" idx="10"/>
+          </p:nvPr>
+        </p:nvSpPr>
+        <p:spPr/>
+        <p:txBody>
+          <a:bodyPr/>
+          <a:lstStyle/>
+          <a:p>
+            <a:fld id="{A91F97F6-4AA0-4A56-917C-236250774E5B}" type="slidenum">
+              <a:rPr lang="en-US" smtClean="0"/>
+              <a:t>5</a:t>
+            </a:fld>
+            <a:endParaRPr lang="en-US"/>
+          </a:p>
+        </p:txBody>
+      </p:sp>
+    </p:spTree>
+    <p:extLst>
+      <p:ext uri="{BB962C8B-B14F-4D97-AF65-F5344CB8AC3E}">
+        <p14:creationId xmlns:p14="http://schemas.microsoft.com/office/powerpoint/2010/main" val="850688190"/>
+      </p:ext>
+    </p:extLst>
+  </p:cSld>
+  <p:clrMapOvr>
+    <a:masterClrMapping/>
+  </p:clrMapOvr>
+</p:notes>
+</file>
+
+<file path=ppt/notesSlides/notesSlide5.xml><?xml version="1.0" encoding="utf-8"?>
+<p:notes xmlns:a="http://schemas.openxmlformats.org/drawingml/2006/main" xmlns:r="http://schemas.openxmlformats.org/officeDocument/2006/relationships" xmlns:p="http://schemas.openxmlformats.org/presentationml/2006/main">
+  <p:cSld>
+    <p:spTree>
+      <p:nvGrpSpPr>
+        <p:cNvPr id="1" name=""/>
+        <p:cNvGrpSpPr/>
+        <p:nvPr/>
+      </p:nvGrpSpPr>
+      <p:grpSpPr>
+        <a:xfrm>
+          <a:off x="0" y="0"/>
+          <a:ext cx="0" cy="0"/>
+          <a:chOff x="0" y="0"/>
+          <a:chExt cx="0" cy="0"/>
+        </a:xfrm>
+      </p:grpSpPr>
+      <p:sp>
+        <p:nvSpPr>
+          <p:cNvPr id="2" name="Slide Image Placeholder 1"/>
+          <p:cNvSpPr>
+            <a:spLocks noGrp="1" noRot="1" noChangeAspect="1"/>
+          </p:cNvSpPr>
+          <p:nvPr>
+            <p:ph type="sldImg"/>
+          </p:nvPr>
+        </p:nvSpPr>
+        <p:spPr/>
+      </p:sp>
+      <p:sp>
+        <p:nvSpPr>
+          <p:cNvPr id="3" name="Notes Placeholder 2"/>
+          <p:cNvSpPr>
+            <a:spLocks noGrp="1"/>
+          </p:cNvSpPr>
+          <p:nvPr>
+            <p:ph type="body" idx="1"/>
+          </p:nvPr>
+        </p:nvSpPr>
+        <p:spPr/>
+        <p:txBody>
+          <a:bodyPr/>
+          <a:lstStyle/>
+          <a:p>
+            <a:r>
+              <a:rPr lang="en-US" dirty="0" smtClean="0"/>
+              <a:t>Xander</a:t>
+            </a:r>
+          </a:p>
+          <a:p>
+            <a:endParaRPr lang="en-US" dirty="0" smtClean="0"/>
+          </a:p>
+          <a:p>
+            <a:r>
+              <a:rPr lang="en-US" dirty="0" smtClean="0"/>
+              <a:t>ES&amp;S</a:t>
+            </a:r>
+            <a:r>
+              <a:rPr lang="en-US" baseline="0" dirty="0" smtClean="0"/>
+              <a:t> environment forms one big loop</a:t>
+            </a:r>
+          </a:p>
+          <a:p>
+            <a:r>
+              <a:rPr lang="en-US" baseline="0" dirty="0" smtClean="0"/>
+              <a:t>Unity Election Management System configures PEB, Flash, and PCMCIA cards </a:t>
+            </a:r>
+          </a:p>
+          <a:p>
+            <a:r>
+              <a:rPr lang="en-US" baseline="0" dirty="0" smtClean="0"/>
+              <a:t>These are necessary in calibrating the voting equipment</a:t>
+            </a:r>
+          </a:p>
+          <a:p>
+            <a:r>
+              <a:rPr lang="en-US" baseline="0" dirty="0" smtClean="0"/>
+              <a:t>If we can sneak in a bad flash card and PEB, it is possible to create a ‘Viral Infection’</a:t>
+            </a:r>
+          </a:p>
+          <a:p>
+            <a:r>
+              <a:rPr lang="en-US" baseline="0" dirty="0" smtClean="0"/>
+              <a:t>Infect </a:t>
+            </a:r>
+            <a:r>
+              <a:rPr lang="en-US" baseline="0" dirty="0" err="1" smtClean="0"/>
+              <a:t>iVos</a:t>
+            </a:r>
+            <a:r>
+              <a:rPr lang="en-US" baseline="0" dirty="0" smtClean="0"/>
+              <a:t> through bad PEBs</a:t>
+            </a:r>
+          </a:p>
+          <a:p>
+            <a:r>
+              <a:rPr lang="en-US" baseline="0" dirty="0" smtClean="0"/>
+              <a:t>Bad </a:t>
+            </a:r>
+            <a:r>
+              <a:rPr lang="en-US" baseline="0" dirty="0" err="1" smtClean="0"/>
+              <a:t>iVos</a:t>
+            </a:r>
+            <a:r>
+              <a:rPr lang="en-US" baseline="0" dirty="0" smtClean="0"/>
+              <a:t> create bad PEBs</a:t>
+            </a:r>
+          </a:p>
+          <a:p>
+            <a:r>
+              <a:rPr lang="en-US" baseline="0" dirty="0" smtClean="0"/>
+              <a:t>Bad PEB returns to Unity, infecting Unity</a:t>
+            </a:r>
+          </a:p>
+          <a:p>
+            <a:r>
+              <a:rPr lang="en-US" baseline="0" dirty="0" smtClean="0"/>
+              <a:t>All media created from Unity will now be bad, compromising the election</a:t>
+            </a:r>
+            <a:endParaRPr lang="en-US" dirty="0"/>
+          </a:p>
+        </p:txBody>
+      </p:sp>
+      <p:sp>
+        <p:nvSpPr>
+          <p:cNvPr id="4" name="Slide Number Placeholder 3"/>
+          <p:cNvSpPr>
+            <a:spLocks noGrp="1"/>
+          </p:cNvSpPr>
+          <p:nvPr>
+            <p:ph type="sldNum" sz="quarter" idx="10"/>
+          </p:nvPr>
+        </p:nvSpPr>
+        <p:spPr/>
+        <p:txBody>
+          <a:bodyPr/>
+          <a:lstStyle/>
+          <a:p>
+            <a:fld id="{A91F97F6-4AA0-4A56-917C-236250774E5B}" type="slidenum">
+              <a:rPr lang="en-US" smtClean="0"/>
+              <a:t>6</a:t>
+            </a:fld>
+            <a:endParaRPr lang="en-US"/>
+          </a:p>
+        </p:txBody>
+      </p:sp>
+    </p:spTree>
+    <p:extLst>
+      <p:ext uri="{BB962C8B-B14F-4D97-AF65-F5344CB8AC3E}">
+        <p14:creationId xmlns:p14="http://schemas.microsoft.com/office/powerpoint/2010/main" val="1630429418"/>
+      </p:ext>
+    </p:extLst>
+  </p:cSld>
+  <p:clrMapOvr>
+    <a:masterClrMapping/>
+  </p:clrMapOvr>
+</p:notes>
+</file>
+
+<file path=ppt/notesSlides/notesSlide6.xml><?xml version="1.0" encoding="utf-8"?>
+<p:notes xmlns:a="http://schemas.openxmlformats.org/drawingml/2006/main" xmlns:r="http://schemas.openxmlformats.org/officeDocument/2006/relationships" xmlns:p="http://schemas.openxmlformats.org/presentationml/2006/main">
+  <p:cSld>
+    <p:spTree>
+      <p:nvGrpSpPr>
+        <p:cNvPr id="1" name=""/>
+        <p:cNvGrpSpPr/>
+        <p:nvPr/>
+      </p:nvGrpSpPr>
+      <p:grpSpPr>
+        <a:xfrm>
+          <a:off x="0" y="0"/>
+          <a:ext cx="0" cy="0"/>
+          <a:chOff x="0" y="0"/>
+          <a:chExt cx="0" cy="0"/>
+        </a:xfrm>
+      </p:grpSpPr>
+      <p:sp>
+        <p:nvSpPr>
+          <p:cNvPr id="2" name="Slide Image Placeholder 1"/>
+          <p:cNvSpPr>
+            <a:spLocks noGrp="1" noRot="1" noChangeAspect="1"/>
+          </p:cNvSpPr>
+          <p:nvPr>
+            <p:ph type="sldImg"/>
+          </p:nvPr>
+        </p:nvSpPr>
+        <p:spPr/>
+      </p:sp>
+      <p:sp>
+        <p:nvSpPr>
+          <p:cNvPr id="3" name="Notes Placeholder 2"/>
+          <p:cNvSpPr>
+            <a:spLocks noGrp="1"/>
+          </p:cNvSpPr>
+          <p:nvPr>
+            <p:ph type="body" idx="1"/>
+          </p:nvPr>
+        </p:nvSpPr>
+        <p:spPr/>
+        <p:txBody>
+          <a:bodyPr/>
+          <a:lstStyle/>
+          <a:p>
+            <a:r>
+              <a:rPr lang="en-US" smtClean="0"/>
+              <a:t>Phillip</a:t>
+            </a:r>
+            <a:endParaRPr lang="en-US" dirty="0" smtClean="0"/>
+          </a:p>
+          <a:p>
+            <a:endParaRPr lang="en-US" dirty="0" smtClean="0"/>
+          </a:p>
+          <a:p>
+            <a:r>
+              <a:rPr lang="en-US" dirty="0" err="1" smtClean="0"/>
+              <a:t>IRDa</a:t>
+            </a:r>
+            <a:r>
+              <a:rPr lang="en-US" baseline="0" dirty="0" smtClean="0"/>
+              <a:t> protocol stack</a:t>
+            </a:r>
+          </a:p>
+          <a:p>
+            <a:r>
+              <a:rPr lang="en-US" baseline="0" dirty="0" smtClean="0"/>
+              <a:t>Reverse Engineering protocol between PEB and </a:t>
+            </a:r>
+            <a:r>
+              <a:rPr lang="en-US" baseline="0" dirty="0" err="1" smtClean="0"/>
+              <a:t>iVo</a:t>
+            </a:r>
+            <a:endParaRPr lang="en-US" baseline="0" dirty="0" smtClean="0"/>
+          </a:p>
+          <a:p>
+            <a:r>
+              <a:rPr lang="en-US" baseline="0" dirty="0" smtClean="0"/>
+              <a:t>Working with memory modules on the </a:t>
+            </a:r>
+            <a:r>
+              <a:rPr lang="en-US" baseline="0" dirty="0" err="1" smtClean="0"/>
+              <a:t>iVotronic</a:t>
+            </a:r>
+            <a:endParaRPr lang="en-US" baseline="0" dirty="0" smtClean="0"/>
+          </a:p>
+          <a:p>
+            <a:endParaRPr lang="en-US" dirty="0" smtClean="0"/>
+          </a:p>
+        </p:txBody>
+      </p:sp>
+      <p:sp>
+        <p:nvSpPr>
+          <p:cNvPr id="4" name="Slide Number Placeholder 3"/>
+          <p:cNvSpPr>
+            <a:spLocks noGrp="1"/>
+          </p:cNvSpPr>
+          <p:nvPr>
+            <p:ph type="sldNum" sz="quarter" idx="10"/>
+          </p:nvPr>
+        </p:nvSpPr>
+        <p:spPr/>
+        <p:txBody>
+          <a:bodyPr/>
+          <a:lstStyle/>
+          <a:p>
+            <a:fld id="{A91F97F6-4AA0-4A56-917C-236250774E5B}" type="slidenum">
+              <a:rPr lang="en-US" smtClean="0"/>
+              <a:t>7</a:t>
+            </a:fld>
+            <a:endParaRPr lang="en-US"/>
+          </a:p>
+        </p:txBody>
+      </p:sp>
+    </p:spTree>
+    <p:extLst>
+      <p:ext uri="{BB962C8B-B14F-4D97-AF65-F5344CB8AC3E}">
+        <p14:creationId xmlns:p14="http://schemas.microsoft.com/office/powerpoint/2010/main" val="3575375402"/>
+      </p:ext>
+    </p:extLst>
+  </p:cSld>
+  <p:clrMapOvr>
+    <a:masterClrMapping/>
+  </p:clrMapOvr>
+</p:notes>
+</file>
+
 <file path=ppt/slideLayouts/slideLayout1.xml><?xml version="1.0" encoding="utf-8"?>
 <p:sldLayout xmlns:a="http://schemas.openxmlformats.org/drawingml/2006/main" xmlns:r="http://schemas.openxmlformats.org/officeDocument/2006/relationships" xmlns:p="http://schemas.openxmlformats.org/presentationml/2006/main" type="title" preserve="1">
   <p:cSld name="Title Slide">
@@ -249,7 +1360,7 @@
           <a:p>
             <a:fld id="{8388EE48-3864-48F3-93A9-E82791A96128}" type="datetimeFigureOut">
               <a:rPr lang="en-US" smtClean="0"/>
-              <a:t>4/1/2016</a:t>
+              <a:t>4/29/2016</a:t>
             </a:fld>
             <a:endParaRPr lang="en-US"/>
           </a:p>
@@ -419,7 +1530,7 @@
           <a:p>
             <a:fld id="{8388EE48-3864-48F3-93A9-E82791A96128}" type="datetimeFigureOut">
               <a:rPr lang="en-US" smtClean="0"/>
-              <a:t>4/1/2016</a:t>
+              <a:t>4/29/2016</a:t>
             </a:fld>
             <a:endParaRPr lang="en-US"/>
           </a:p>
@@ -599,7 +1710,7 @@
           <a:p>
             <a:fld id="{8388EE48-3864-48F3-93A9-E82791A96128}" type="datetimeFigureOut">
               <a:rPr lang="en-US" smtClean="0"/>
-              <a:t>4/1/2016</a:t>
+              <a:t>4/29/2016</a:t>
             </a:fld>
             <a:endParaRPr lang="en-US"/>
           </a:p>
@@ -769,7 +1880,7 @@
           <a:p>
             <a:fld id="{8388EE48-3864-48F3-93A9-E82791A96128}" type="datetimeFigureOut">
               <a:rPr lang="en-US" smtClean="0"/>
-              <a:t>4/1/2016</a:t>
+              <a:t>4/29/2016</a:t>
             </a:fld>
             <a:endParaRPr lang="en-US"/>
           </a:p>
@@ -1013,7 +2124,7 @@
           <a:p>
             <a:fld id="{8388EE48-3864-48F3-93A9-E82791A96128}" type="datetimeFigureOut">
               <a:rPr lang="en-US" smtClean="0"/>
-              <a:t>4/1/2016</a:t>
+              <a:t>4/29/2016</a:t>
             </a:fld>
             <a:endParaRPr lang="en-US"/>
           </a:p>
@@ -1245,7 +2356,7 @@
           <a:p>
             <a:fld id="{8388EE48-3864-48F3-93A9-E82791A96128}" type="datetimeFigureOut">
               <a:rPr lang="en-US" smtClean="0"/>
-              <a:t>4/1/2016</a:t>
+              <a:t>4/29/2016</a:t>
             </a:fld>
             <a:endParaRPr lang="en-US"/>
           </a:p>
@@ -1612,7 +2723,7 @@
           <a:p>
             <a:fld id="{8388EE48-3864-48F3-93A9-E82791A96128}" type="datetimeFigureOut">
               <a:rPr lang="en-US" smtClean="0"/>
-              <a:t>4/1/2016</a:t>
+              <a:t>4/29/2016</a:t>
             </a:fld>
             <a:endParaRPr lang="en-US"/>
           </a:p>
@@ -1730,7 +2841,7 @@
           <a:p>
             <a:fld id="{8388EE48-3864-48F3-93A9-E82791A96128}" type="datetimeFigureOut">
               <a:rPr lang="en-US" smtClean="0"/>
-              <a:t>4/1/2016</a:t>
+              <a:t>4/29/2016</a:t>
             </a:fld>
             <a:endParaRPr lang="en-US"/>
           </a:p>
@@ -1825,7 +2936,7 @@
           <a:p>
             <a:fld id="{8388EE48-3864-48F3-93A9-E82791A96128}" type="datetimeFigureOut">
               <a:rPr lang="en-US" smtClean="0"/>
-              <a:t>4/1/2016</a:t>
+              <a:t>4/29/2016</a:t>
             </a:fld>
             <a:endParaRPr lang="en-US"/>
           </a:p>
@@ -2102,7 +3213,7 @@
           <a:p>
             <a:fld id="{8388EE48-3864-48F3-93A9-E82791A96128}" type="datetimeFigureOut">
               <a:rPr lang="en-US" smtClean="0"/>
-              <a:t>4/1/2016</a:t>
+              <a:t>4/29/2016</a:t>
             </a:fld>
             <a:endParaRPr lang="en-US"/>
           </a:p>
@@ -2359,7 +3470,7 @@
           <a:p>
             <a:fld id="{8388EE48-3864-48F3-93A9-E82791A96128}" type="datetimeFigureOut">
               <a:rPr lang="en-US" smtClean="0"/>
-              <a:t>4/1/2016</a:t>
+              <a:t>4/29/2016</a:t>
             </a:fld>
             <a:endParaRPr lang="en-US"/>
           </a:p>
@@ -2572,7 +3683,7 @@
           <a:p>
             <a:fld id="{8388EE48-3864-48F3-93A9-E82791A96128}" type="datetimeFigureOut">
               <a:rPr lang="en-US" smtClean="0"/>
-              <a:t>4/1/2016</a:t>
+              <a:t>4/29/2016</a:t>
             </a:fld>
             <a:endParaRPr lang="en-US"/>
           </a:p>
@@ -3059,20 +4170,19 @@
         <p:spPr/>
         <p:txBody>
           <a:bodyPr>
-            <a:normAutofit lnSpcReduction="10000"/>
+            <a:normAutofit/>
           </a:bodyPr>
           <a:lstStyle/>
           <a:p>
             <a:r>
               <a:rPr lang="en-US" dirty="0" smtClean="0"/>
-              <a:t>Philip Conrad</a:t>
-            </a:r>
-          </a:p>
-          <a:p>
+              <a:t>Philip </a:t>
+            </a:r>
             <a:r>
               <a:rPr lang="en-US" dirty="0" smtClean="0"/>
-              <a:t>Zac Hughes</a:t>
-            </a:r>
+              <a:t>Conrad</a:t>
+            </a:r>
+            <a:endParaRPr lang="en-US" dirty="0" smtClean="0"/>
           </a:p>
           <a:p>
             <a:r>
@@ -3579,32 +4689,30 @@
           <a:p>
             <a:r>
               <a:rPr lang="en-US" dirty="0" smtClean="0"/>
-              <a:t>Since last time…</a:t>
-            </a:r>
+              <a:t>Fall’s Accomplishments</a:t>
+            </a:r>
+            <a:endParaRPr lang="en-US" dirty="0" smtClean="0"/>
           </a:p>
           <a:p>
             <a:r>
               <a:rPr lang="en-US" dirty="0" smtClean="0"/>
-              <a:t>PEB Attack Vector</a:t>
-            </a:r>
+              <a:t>Spring’s Accomplishments</a:t>
+            </a:r>
+            <a:endParaRPr lang="en-US" dirty="0" smtClean="0"/>
           </a:p>
           <a:p>
             <a:r>
               <a:rPr lang="en-US" dirty="0" smtClean="0"/>
-              <a:t>Bus Pirate</a:t>
-            </a:r>
+              <a:t>Attack Vectors</a:t>
+            </a:r>
+            <a:endParaRPr lang="en-US" dirty="0" smtClean="0"/>
           </a:p>
           <a:p>
             <a:r>
               <a:rPr lang="en-US" dirty="0" smtClean="0"/>
-              <a:t>PEB Reader Code Dump</a:t>
-            </a:r>
-          </a:p>
-          <a:p>
-            <a:r>
-              <a:rPr lang="en-US" dirty="0" smtClean="0"/>
-              <a:t>Summary</a:t>
-            </a:r>
+              <a:t>Future Work</a:t>
+            </a:r>
+            <a:endParaRPr lang="en-US" dirty="0" smtClean="0"/>
           </a:p>
         </p:txBody>
       </p:sp>
@@ -3617,7 +4725,7 @@
           <p:nvPr/>
         </p:nvPicPr>
         <p:blipFill rotWithShape="1">
-          <a:blip r:embed="rId2">
+          <a:blip r:embed="rId3">
             <a:extLst>
               <a:ext uri="{28A0092B-C50C-407E-A947-70E740481C1C}">
                 <a14:useLocalDpi xmlns:a14="http://schemas.microsoft.com/office/drawing/2010/main" val="0"/>
@@ -3684,94 +4792,6 @@
           <a:chExt cx="0" cy="0"/>
         </a:xfrm>
       </p:grpSpPr>
-      <p:sp>
-        <p:nvSpPr>
-          <p:cNvPr id="2" name="Title 1"/>
-          <p:cNvSpPr>
-            <a:spLocks noGrp="1"/>
-          </p:cNvSpPr>
-          <p:nvPr>
-            <p:ph type="title"/>
-          </p:nvPr>
-        </p:nvSpPr>
-        <p:spPr/>
-        <p:txBody>
-          <a:bodyPr/>
-          <a:lstStyle/>
-          <a:p>
-            <a:r>
-              <a:rPr lang="en-US" dirty="0" smtClean="0"/>
-              <a:t>Since Last Time</a:t>
-            </a:r>
-            <a:endParaRPr lang="en-US" dirty="0"/>
-          </a:p>
-        </p:txBody>
-      </p:sp>
-      <p:sp>
-        <p:nvSpPr>
-          <p:cNvPr id="3" name="Content Placeholder 2"/>
-          <p:cNvSpPr>
-            <a:spLocks noGrp="1"/>
-          </p:cNvSpPr>
-          <p:nvPr>
-            <p:ph idx="1"/>
-          </p:nvPr>
-        </p:nvSpPr>
-        <p:spPr/>
-        <p:txBody>
-          <a:bodyPr/>
-          <a:lstStyle/>
-          <a:p>
-            <a:r>
-              <a:rPr lang="en-US" dirty="0" smtClean="0"/>
-              <a:t>Focus narrowed down to PEB &amp; Reader</a:t>
-            </a:r>
-          </a:p>
-          <a:p>
-            <a:r>
-              <a:rPr lang="en-US" dirty="0" smtClean="0"/>
-              <a:t>Good News:</a:t>
-            </a:r>
-          </a:p>
-          <a:p>
-            <a:pPr lvl="1"/>
-            <a:r>
-              <a:rPr lang="en-US" dirty="0" smtClean="0"/>
-              <a:t>Almost no time burned due to shipping</a:t>
-            </a:r>
-          </a:p>
-          <a:p>
-            <a:r>
-              <a:rPr lang="en-US" dirty="0" smtClean="0"/>
-              <a:t>Bad News:</a:t>
-            </a:r>
-          </a:p>
-          <a:p>
-            <a:pPr lvl="1"/>
-            <a:r>
-              <a:rPr lang="en-US" dirty="0" smtClean="0"/>
-              <a:t>Lots of time burned to rabbit holes</a:t>
-            </a:r>
-          </a:p>
-          <a:p>
-            <a:pPr lvl="1"/>
-            <a:r>
-              <a:rPr lang="en-US" dirty="0" smtClean="0"/>
-              <a:t>Lots of time burned to dead ends</a:t>
-            </a:r>
-          </a:p>
-          <a:p>
-            <a:pPr lvl="1"/>
-            <a:r>
-              <a:rPr lang="en-US" dirty="0" smtClean="0"/>
-              <a:t>Lots of time burned to finding information</a:t>
-            </a:r>
-          </a:p>
-          <a:p>
-            <a:endParaRPr lang="en-US" dirty="0" smtClean="0"/>
-          </a:p>
-        </p:txBody>
-      </p:sp>
       <p:pic>
         <p:nvPicPr>
           <p:cNvPr id="6" name="Picture 5"/>
@@ -3781,7 +4801,7 @@
           <p:nvPr/>
         </p:nvPicPr>
         <p:blipFill rotWithShape="1">
-          <a:blip r:embed="rId2">
+          <a:blip r:embed="rId3">
             <a:extLst>
               <a:ext uri="{28A0092B-C50C-407E-A947-70E740481C1C}">
                 <a14:useLocalDpi xmlns:a14="http://schemas.microsoft.com/office/drawing/2010/main" val="0"/>
@@ -3801,6 +4821,66 @@
           </a:prstGeom>
         </p:spPr>
       </p:pic>
+      <p:sp>
+        <p:nvSpPr>
+          <p:cNvPr id="2" name="Title 1"/>
+          <p:cNvSpPr>
+            <a:spLocks noGrp="1"/>
+          </p:cNvSpPr>
+          <p:nvPr>
+            <p:ph type="title"/>
+          </p:nvPr>
+        </p:nvSpPr>
+        <p:spPr/>
+        <p:txBody>
+          <a:bodyPr/>
+          <a:lstStyle/>
+          <a:p>
+            <a:r>
+              <a:rPr lang="en-US" dirty="0" smtClean="0"/>
+              <a:t>Fall’s Accomplishments</a:t>
+            </a:r>
+            <a:endParaRPr lang="en-US" dirty="0"/>
+          </a:p>
+        </p:txBody>
+      </p:sp>
+      <p:sp>
+        <p:nvSpPr>
+          <p:cNvPr id="3" name="Content Placeholder 2"/>
+          <p:cNvSpPr>
+            <a:spLocks noGrp="1"/>
+          </p:cNvSpPr>
+          <p:nvPr>
+            <p:ph idx="1"/>
+          </p:nvPr>
+        </p:nvSpPr>
+        <p:spPr/>
+        <p:txBody>
+          <a:bodyPr/>
+          <a:lstStyle/>
+          <a:p>
+            <a:r>
+              <a:rPr lang="en-US" dirty="0" smtClean="0"/>
+              <a:t>Took hardware inventory</a:t>
+            </a:r>
+          </a:p>
+          <a:p>
+            <a:r>
+              <a:rPr lang="en-US" dirty="0" smtClean="0"/>
+              <a:t>Got equipment for testing</a:t>
+            </a:r>
+          </a:p>
+          <a:p>
+            <a:r>
+              <a:rPr lang="en-US" dirty="0" smtClean="0"/>
+              <a:t>Got intel hex dump off of PEB &amp; Reader</a:t>
+            </a:r>
+          </a:p>
+          <a:p>
+            <a:endParaRPr lang="en-US" dirty="0" smtClean="0"/>
+          </a:p>
+        </p:txBody>
+      </p:sp>
     </p:spTree>
     <p:extLst>
       <p:ext uri="{BB962C8B-B14F-4D97-AF65-F5344CB8AC3E}">
@@ -3838,48 +4918,6 @@
           <a:chExt cx="0" cy="0"/>
         </a:xfrm>
       </p:grpSpPr>
-      <p:sp>
-        <p:nvSpPr>
-          <p:cNvPr id="2" name="Title 1"/>
-          <p:cNvSpPr>
-            <a:spLocks noGrp="1"/>
-          </p:cNvSpPr>
-          <p:nvPr>
-            <p:ph type="title"/>
-          </p:nvPr>
-        </p:nvSpPr>
-        <p:spPr/>
-        <p:txBody>
-          <a:bodyPr/>
-          <a:lstStyle/>
-          <a:p>
-            <a:r>
-              <a:rPr lang="en-US" dirty="0" smtClean="0"/>
-              <a:t>PEB Attack Vector</a:t>
-            </a:r>
-            <a:endParaRPr lang="en-US" dirty="0"/>
-          </a:p>
-        </p:txBody>
-      </p:sp>
-      <p:sp>
-        <p:nvSpPr>
-          <p:cNvPr id="3" name="Content Placeholder 2"/>
-          <p:cNvSpPr>
-            <a:spLocks noGrp="1"/>
-          </p:cNvSpPr>
-          <p:nvPr>
-            <p:ph idx="1"/>
-          </p:nvPr>
-        </p:nvSpPr>
-        <p:spPr/>
-        <p:txBody>
-          <a:bodyPr/>
-          <a:lstStyle/>
-          <a:p>
-            <a:endParaRPr lang="en-US" dirty="0"/>
-          </a:p>
-        </p:txBody>
-      </p:sp>
       <p:pic>
         <p:nvPicPr>
           <p:cNvPr id="4" name="Picture 2" descr="http://yjsoon.com/wp-content/uploads/2011/08/Hacker-stock-art-%E2%80%93-Boing-Boing.png"/>
@@ -3889,7 +4927,7 @@
           <p:nvPr/>
         </p:nvPicPr>
         <p:blipFill rotWithShape="1">
-          <a:blip r:embed="rId2">
+          <a:blip r:embed="rId3">
             <a:extLst>
               <a:ext uri="{28A0092B-C50C-407E-A947-70E740481C1C}">
                 <a14:useLocalDpi xmlns:a14="http://schemas.microsoft.com/office/drawing/2010/main" val="0"/>
@@ -3919,6 +4957,97 @@
           </a:extLst>
         </p:spPr>
       </p:pic>
+      <p:sp>
+        <p:nvSpPr>
+          <p:cNvPr id="2" name="Title 1"/>
+          <p:cNvSpPr>
+            <a:spLocks noGrp="1"/>
+          </p:cNvSpPr>
+          <p:nvPr>
+            <p:ph type="title"/>
+          </p:nvPr>
+        </p:nvSpPr>
+        <p:spPr/>
+        <p:txBody>
+          <a:bodyPr/>
+          <a:lstStyle/>
+          <a:p>
+            <a:r>
+              <a:rPr lang="en-US" dirty="0" smtClean="0"/>
+              <a:t>Spring’s Accomplishments</a:t>
+            </a:r>
+            <a:endParaRPr lang="en-US" dirty="0"/>
+          </a:p>
+        </p:txBody>
+      </p:sp>
+      <p:sp>
+        <p:nvSpPr>
+          <p:cNvPr id="3" name="Content Placeholder 2"/>
+          <p:cNvSpPr>
+            <a:spLocks noGrp="1"/>
+          </p:cNvSpPr>
+          <p:nvPr>
+            <p:ph idx="1"/>
+          </p:nvPr>
+        </p:nvSpPr>
+        <p:spPr/>
+        <p:txBody>
+          <a:bodyPr/>
+          <a:lstStyle/>
+          <a:p>
+            <a:r>
+              <a:rPr lang="en-US" dirty="0" smtClean="0"/>
+              <a:t>PEB Memory Dump</a:t>
+            </a:r>
+          </a:p>
+          <a:p>
+            <a:pPr lvl="1"/>
+            <a:r>
+              <a:rPr lang="en-US" dirty="0" smtClean="0"/>
+              <a:t>SPI &amp; UART protocols</a:t>
+            </a:r>
+          </a:p>
+          <a:p>
+            <a:pPr lvl="1"/>
+            <a:r>
+              <a:rPr lang="en-US" dirty="0" smtClean="0"/>
+              <a:t>Discovered one PEB was dead</a:t>
+            </a:r>
+          </a:p>
+          <a:p>
+            <a:pPr lvl="1"/>
+            <a:r>
+              <a:rPr lang="en-US" dirty="0" smtClean="0"/>
+              <a:t>Bus Pirate / Signal Eavesdropping</a:t>
+            </a:r>
+          </a:p>
+          <a:p>
+            <a:r>
+              <a:rPr lang="en-US" dirty="0" err="1" smtClean="0"/>
+              <a:t>iVotronic</a:t>
+            </a:r>
+            <a:r>
+              <a:rPr lang="en-US" dirty="0" smtClean="0"/>
+              <a:t> JTAG</a:t>
+            </a:r>
+          </a:p>
+          <a:p>
+            <a:pPr lvl="1"/>
+            <a:r>
+              <a:rPr lang="en-US" dirty="0" smtClean="0"/>
+              <a:t>Machine’s circuitry is not conducive</a:t>
+            </a:r>
+          </a:p>
+          <a:p>
+            <a:pPr lvl="2"/>
+            <a:r>
+              <a:rPr lang="en-US" dirty="0" smtClean="0"/>
+              <a:t>Missing connections</a:t>
+            </a:r>
+            <a:endParaRPr lang="en-US" dirty="0"/>
+          </a:p>
+        </p:txBody>
+      </p:sp>
     </p:spTree>
     <p:extLst>
       <p:ext uri="{BB962C8B-B14F-4D97-AF65-F5344CB8AC3E}">
@@ -3973,7 +5102,7 @@
           <a:p>
             <a:r>
               <a:rPr lang="en-US" dirty="0" smtClean="0"/>
-              <a:t>Bus Pirate</a:t>
+              <a:t>Attack Vectors</a:t>
             </a:r>
             <a:endParaRPr lang="en-US" dirty="0"/>
           </a:p>
@@ -3991,9 +5120,60 @@
         </p:nvSpPr>
         <p:spPr/>
         <p:txBody>
-          <a:bodyPr/>
-          <a:lstStyle/>
-          <a:p>
+          <a:bodyPr>
+            <a:normAutofit/>
+          </a:bodyPr>
+          <a:lstStyle/>
+          <a:p>
+            <a:r>
+              <a:rPr lang="en-US" dirty="0" smtClean="0"/>
+              <a:t>PEB – Based Attacks</a:t>
+            </a:r>
+          </a:p>
+          <a:p>
+            <a:pPr lvl="1"/>
+            <a:r>
+              <a:rPr lang="en-US" dirty="0" smtClean="0"/>
+              <a:t>Changing Votes</a:t>
+            </a:r>
+          </a:p>
+          <a:p>
+            <a:pPr lvl="1"/>
+            <a:r>
+              <a:rPr lang="en-US" dirty="0" smtClean="0"/>
+              <a:t>Discarding Votes</a:t>
+            </a:r>
+          </a:p>
+          <a:p>
+            <a:r>
+              <a:rPr lang="en-US" dirty="0" err="1" smtClean="0"/>
+              <a:t>iVotronic</a:t>
+            </a:r>
+            <a:r>
+              <a:rPr lang="en-US" dirty="0" smtClean="0"/>
+              <a:t> – Based Attacks</a:t>
+            </a:r>
+          </a:p>
+          <a:p>
+            <a:pPr lvl="1"/>
+            <a:r>
+              <a:rPr lang="en-US" dirty="0" smtClean="0"/>
+              <a:t>Denial of Service</a:t>
+            </a:r>
+          </a:p>
+          <a:p>
+            <a:pPr lvl="1"/>
+            <a:r>
+              <a:rPr lang="en-US" dirty="0" smtClean="0"/>
+              <a:t>Arbitrary Code Execution</a:t>
+            </a:r>
+            <a:endParaRPr lang="en-US" dirty="0" smtClean="0"/>
+          </a:p>
+          <a:p>
+            <a:r>
+              <a:rPr lang="en-US" dirty="0" smtClean="0"/>
+              <a:t>Viral Infection</a:t>
+            </a:r>
             <a:endParaRPr lang="en-US" dirty="0"/>
           </a:p>
         </p:txBody>
@@ -4007,7 +5187,7 @@
           <p:nvPr/>
         </p:nvPicPr>
         <p:blipFill rotWithShape="1">
-          <a:blip r:embed="rId2">
+          <a:blip r:embed="rId3">
             <a:extLst>
               <a:ext uri="{28A0092B-C50C-407E-A947-70E740481C1C}">
                 <a14:useLocalDpi xmlns:a14="http://schemas.microsoft.com/office/drawing/2010/main" val="0"/>
@@ -4096,31 +5276,192 @@
           <a:p>
             <a:r>
               <a:rPr lang="en-US" dirty="0" smtClean="0"/>
-              <a:t>PEB Reader Code Dump</a:t>
+              <a:t>Attack Vectors – Viral Infection</a:t>
             </a:r>
             <a:endParaRPr lang="en-US" dirty="0"/>
           </a:p>
         </p:txBody>
       </p:sp>
-      <p:sp>
-        <p:nvSpPr>
-          <p:cNvPr id="3" name="Content Placeholder 2"/>
-          <p:cNvSpPr>
-            <a:spLocks noGrp="1"/>
-          </p:cNvSpPr>
-          <p:nvPr>
-            <p:ph idx="1"/>
-          </p:nvPr>
-        </p:nvSpPr>
-        <p:spPr/>
-        <p:txBody>
-          <a:bodyPr/>
-          <a:lstStyle/>
-          <a:p>
-            <a:endParaRPr lang="en-US"/>
-          </a:p>
-        </p:txBody>
-      </p:sp>
+      <p:pic>
+        <p:nvPicPr>
+          <p:cNvPr id="4" name="Picture 3"/>
+          <p:cNvPicPr>
+            <a:picLocks noChangeAspect="1"/>
+          </p:cNvPicPr>
+          <p:nvPr/>
+        </p:nvPicPr>
+        <p:blipFill>
+          <a:blip r:embed="rId3"/>
+          <a:stretch>
+            <a:fillRect/>
+          </a:stretch>
+        </p:blipFill>
+        <p:spPr>
+          <a:xfrm>
+            <a:off x="2052637" y="1539240"/>
+            <a:ext cx="5724525" cy="4419600"/>
+          </a:xfrm>
+          <a:prstGeom prst="rect">
+            <a:avLst/>
+          </a:prstGeom>
+        </p:spPr>
+      </p:pic>
+      <p:pic>
+        <p:nvPicPr>
+          <p:cNvPr id="5" name="Picture 2" descr="http://yjsoon.com/wp-content/uploads/2011/08/Hacker-stock-art-%E2%80%93-Boing-Boing.png"/>
+          <p:cNvPicPr>
+            <a:picLocks noChangeAspect="1" noChangeArrowheads="1"/>
+          </p:cNvPicPr>
+          <p:nvPr/>
+        </p:nvPicPr>
+        <p:blipFill rotWithShape="1">
+          <a:blip r:embed="rId4" cstate="print">
+            <a:extLst>
+              <a:ext uri="{28A0092B-C50C-407E-A947-70E740481C1C}">
+                <a14:useLocalDpi xmlns:a14="http://schemas.microsoft.com/office/drawing/2010/main" val="0"/>
+              </a:ext>
+            </a:extLst>
+          </a:blip>
+          <a:srcRect l="12012"/>
+          <a:stretch/>
+        </p:blipFill>
+        <p:spPr bwMode="auto">
+          <a:xfrm rot="20058906">
+            <a:off x="4521200" y="4244203"/>
+            <a:ext cx="530802" cy="480197"/>
+          </a:xfrm>
+          <a:prstGeom prst="rect">
+            <a:avLst/>
+          </a:prstGeom>
+          <a:noFill/>
+          <a:extLst>
+            <a:ext uri="{909E8E84-426E-40DD-AFC4-6F175D3DCCD1}">
+              <a14:hiddenFill xmlns:a14="http://schemas.microsoft.com/office/drawing/2010/main">
+                <a:solidFill>
+                  <a:srgbClr val="FFFFFF"/>
+                </a:solidFill>
+              </a14:hiddenFill>
+            </a:ext>
+          </a:extLst>
+        </p:spPr>
+      </p:pic>
+      <p:pic>
+        <p:nvPicPr>
+          <p:cNvPr id="7" name="Picture 2" descr="http://yjsoon.com/wp-content/uploads/2011/08/Hacker-stock-art-%E2%80%93-Boing-Boing.png"/>
+          <p:cNvPicPr>
+            <a:picLocks noChangeAspect="1" noChangeArrowheads="1"/>
+          </p:cNvPicPr>
+          <p:nvPr/>
+        </p:nvPicPr>
+        <p:blipFill rotWithShape="1">
+          <a:blip r:embed="rId4" cstate="print">
+            <a:extLst>
+              <a:ext uri="{28A0092B-C50C-407E-A947-70E740481C1C}">
+                <a14:useLocalDpi xmlns:a14="http://schemas.microsoft.com/office/drawing/2010/main" val="0"/>
+              </a:ext>
+            </a:extLst>
+          </a:blip>
+          <a:srcRect l="12012"/>
+          <a:stretch/>
+        </p:blipFill>
+        <p:spPr bwMode="auto">
+          <a:xfrm rot="1476574">
+            <a:off x="4647878" y="3837753"/>
+            <a:ext cx="530802" cy="480197"/>
+          </a:xfrm>
+          <a:prstGeom prst="rect">
+            <a:avLst/>
+          </a:prstGeom>
+          <a:noFill/>
+          <a:extLst>
+            <a:ext uri="{909E8E84-426E-40DD-AFC4-6F175D3DCCD1}">
+              <a14:hiddenFill xmlns:a14="http://schemas.microsoft.com/office/drawing/2010/main">
+                <a:solidFill>
+                  <a:srgbClr val="FFFFFF"/>
+                </a:solidFill>
+              </a14:hiddenFill>
+            </a:ext>
+          </a:extLst>
+        </p:spPr>
+      </p:pic>
+      <p:pic>
+        <p:nvPicPr>
+          <p:cNvPr id="8" name="Picture 2" descr="http://yjsoon.com/wp-content/uploads/2011/08/Hacker-stock-art-%E2%80%93-Boing-Boing.png"/>
+          <p:cNvPicPr>
+            <a:picLocks noChangeAspect="1" noChangeArrowheads="1"/>
+          </p:cNvPicPr>
+          <p:nvPr/>
+        </p:nvPicPr>
+        <p:blipFill rotWithShape="1">
+          <a:blip r:embed="rId4" cstate="print">
+            <a:extLst>
+              <a:ext uri="{28A0092B-C50C-407E-A947-70E740481C1C}">
+                <a14:useLocalDpi xmlns:a14="http://schemas.microsoft.com/office/drawing/2010/main" val="0"/>
+              </a:ext>
+            </a:extLst>
+          </a:blip>
+          <a:srcRect l="12012"/>
+          <a:stretch/>
+        </p:blipFill>
+        <p:spPr bwMode="auto">
+          <a:xfrm rot="1842221">
+            <a:off x="4177960" y="3101070"/>
+            <a:ext cx="530802" cy="480197"/>
+          </a:xfrm>
+          <a:prstGeom prst="rect">
+            <a:avLst/>
+          </a:prstGeom>
+          <a:noFill/>
+          <a:extLst>
+            <a:ext uri="{909E8E84-426E-40DD-AFC4-6F175D3DCCD1}">
+              <a14:hiddenFill xmlns:a14="http://schemas.microsoft.com/office/drawing/2010/main">
+                <a:solidFill>
+                  <a:srgbClr val="FFFFFF"/>
+                </a:solidFill>
+              </a14:hiddenFill>
+            </a:ext>
+          </a:extLst>
+        </p:spPr>
+      </p:pic>
+      <p:pic>
+        <p:nvPicPr>
+          <p:cNvPr id="9" name="Picture 2" descr="http://yjsoon.com/wp-content/uploads/2011/08/Hacker-stock-art-%E2%80%93-Boing-Boing.png"/>
+          <p:cNvPicPr>
+            <a:picLocks noChangeAspect="1" noChangeArrowheads="1"/>
+          </p:cNvPicPr>
+          <p:nvPr/>
+        </p:nvPicPr>
+        <p:blipFill rotWithShape="1">
+          <a:blip r:embed="rId4" cstate="print">
+            <a:extLst>
+              <a:ext uri="{28A0092B-C50C-407E-A947-70E740481C1C}">
+                <a14:useLocalDpi xmlns:a14="http://schemas.microsoft.com/office/drawing/2010/main" val="0"/>
+              </a:ext>
+            </a:extLst>
+          </a:blip>
+          <a:srcRect l="12012"/>
+          <a:stretch/>
+        </p:blipFill>
+        <p:spPr bwMode="auto">
+          <a:xfrm rot="14880038">
+            <a:off x="4464051" y="2813172"/>
+            <a:ext cx="530802" cy="480197"/>
+          </a:xfrm>
+          <a:prstGeom prst="rect">
+            <a:avLst/>
+          </a:prstGeom>
+          <a:noFill/>
+          <a:extLst>
+            <a:ext uri="{909E8E84-426E-40DD-AFC4-6F175D3DCCD1}">
+              <a14:hiddenFill xmlns:a14="http://schemas.microsoft.com/office/drawing/2010/main">
+                <a:solidFill>
+                  <a:srgbClr val="FFFFFF"/>
+                </a:solidFill>
+              </a14:hiddenFill>
+            </a:ext>
+          </a:extLst>
+        </p:spPr>
+      </p:pic>
     </p:spTree>
     <p:extLst>
       <p:ext uri="{BB962C8B-B14F-4D97-AF65-F5344CB8AC3E}">
@@ -4175,7 +5516,7 @@
           <a:p>
             <a:r>
               <a:rPr lang="en-US" dirty="0" smtClean="0"/>
-              <a:t>Summary</a:t>
+              <a:t>Knowledge for Future Groups</a:t>
             </a:r>
             <a:endParaRPr lang="en-US" dirty="0"/>
           </a:p>
@@ -4198,12 +5539,97 @@
           <a:p>
             <a:r>
               <a:rPr lang="en-US" dirty="0" smtClean="0"/>
-              <a:t>Reverse engineering computer systems is difficult</a:t>
+              <a:t>PEB programming </a:t>
+            </a:r>
+            <a:r>
+              <a:rPr lang="en-US" dirty="0"/>
+              <a:t>p</a:t>
+            </a:r>
+            <a:r>
+              <a:rPr lang="en-US" dirty="0" smtClean="0"/>
+              <a:t>in </a:t>
+            </a:r>
+            <a:r>
+              <a:rPr lang="en-US" dirty="0"/>
+              <a:t>c</a:t>
+            </a:r>
+            <a:r>
+              <a:rPr lang="en-US" dirty="0" smtClean="0"/>
+              <a:t>onfiguration</a:t>
+            </a:r>
+          </a:p>
+          <a:p>
+            <a:r>
+              <a:rPr lang="en-US" dirty="0" err="1" smtClean="0"/>
+              <a:t>PICKit</a:t>
+            </a:r>
+            <a:r>
+              <a:rPr lang="en-US" dirty="0" smtClean="0"/>
+              <a:t> 3 wiring </a:t>
+            </a:r>
+            <a:r>
+              <a:rPr lang="en-US" dirty="0"/>
+              <a:t>c</a:t>
+            </a:r>
+            <a:r>
+              <a:rPr lang="en-US" dirty="0" smtClean="0"/>
+              <a:t>onfiguration</a:t>
+            </a:r>
+          </a:p>
+          <a:p>
+            <a:r>
+              <a:rPr lang="en-US" dirty="0" smtClean="0"/>
+              <a:t>Programming environment </a:t>
+            </a:r>
+          </a:p>
+          <a:p>
+            <a:r>
+              <a:rPr lang="en-US" dirty="0" smtClean="0"/>
+              <a:t>Steps for future groups to take</a:t>
             </a:r>
             <a:endParaRPr lang="en-US" dirty="0"/>
           </a:p>
         </p:txBody>
       </p:sp>
+      <p:pic>
+        <p:nvPicPr>
+          <p:cNvPr id="4" name="Picture 2" descr="http://yjsoon.com/wp-content/uploads/2011/08/Hacker-stock-art-%E2%80%93-Boing-Boing.png"/>
+          <p:cNvPicPr>
+            <a:picLocks noChangeAspect="1" noChangeArrowheads="1"/>
+          </p:cNvPicPr>
+          <p:nvPr/>
+        </p:nvPicPr>
+        <p:blipFill rotWithShape="1">
+          <a:blip r:embed="rId3">
+            <a:extLst>
+              <a:ext uri="{28A0092B-C50C-407E-A947-70E740481C1C}">
+                <a14:useLocalDpi xmlns:a14="http://schemas.microsoft.com/office/drawing/2010/main" val="0"/>
+              </a:ext>
+            </a:extLst>
+          </a:blip>
+          <a:srcRect l="12012"/>
+          <a:stretch/>
+        </p:blipFill>
+        <p:spPr bwMode="auto">
+          <a:xfrm>
+            <a:off x="3668853" y="5660967"/>
+            <a:ext cx="3164962" cy="2863225"/>
+          </a:xfrm>
+          <a:prstGeom prst="rect">
+            <a:avLst/>
+          </a:prstGeom>
+          <a:noFill/>
+          <a:extLst>
+            <a:ext uri="{909E8E84-426E-40DD-AFC4-6F175D3DCCD1}">
+              <a14:hiddenFill xmlns:a14="http://schemas.microsoft.com/office/drawing/2010/main">
+                <a:solidFill>
+                  <a:srgbClr val="FFFFFF"/>
+                </a:solidFill>
+              </a14:hiddenFill>
+            </a:ext>
+          </a:extLst>
+        </p:spPr>
+      </p:pic>
     </p:spTree>
     <p:extLst>
       <p:ext uri="{BB962C8B-B14F-4D97-AF65-F5344CB8AC3E}">
@@ -4483,4 +5909,265 @@
     </a:ext>
   </a:extLst>
 </a:theme>
+</file>
+
+<file path=ppt/theme/theme2.xml><?xml version="1.0" encoding="utf-8"?>
+<a:theme xmlns:a="http://schemas.openxmlformats.org/drawingml/2006/main" name="Office Theme">
+  <a:themeElements>
+    <a:clrScheme name="Office">
+      <a:dk1>
+        <a:sysClr val="windowText" lastClr="000000"/>
+      </a:dk1>
+      <a:lt1>
+        <a:sysClr val="window" lastClr="FFFFFF"/>
+      </a:lt1>
+      <a:dk2>
+        <a:srgbClr val="44546A"/>
+      </a:dk2>
+      <a:lt2>
+        <a:srgbClr val="E7E6E6"/>
+      </a:lt2>
+      <a:accent1>
+        <a:srgbClr val="5B9BD5"/>
+      </a:accent1>
+      <a:accent2>
+        <a:srgbClr val="ED7D31"/>
+      </a:accent2>
+      <a:accent3>
+        <a:srgbClr val="A5A5A5"/>
+      </a:accent3>
+      <a:accent4>
+        <a:srgbClr val="FFC000"/>
+      </a:accent4>
+      <a:accent5>
+        <a:srgbClr val="4472C4"/>
+      </a:accent5>
+      <a:accent6>
+        <a:srgbClr val="70AD47"/>
+      </a:accent6>
+      <a:hlink>
+        <a:srgbClr val="0563C1"/>
+      </a:hlink>
+      <a:folHlink>
+        <a:srgbClr val="954F72"/>
+      </a:folHlink>
+    </a:clrScheme>
+    <a:fontScheme name="Office">
+      <a:majorFont>
+        <a:latin typeface="Calibri Light" panose="020F0302020204030204"/>
+        <a:ea typeface=""/>
+        <a:cs typeface=""/>
+        <a:font script="Jpan" typeface="游ゴシック Light"/>
+        <a:font script="Hang" typeface="맑은 고딕"/>
+        <a:font script="Hans" typeface="等线 Light"/>
+        <a:font script="Hant" typeface="新細明體"/>
+        <a:font script="Arab" typeface="Times New Roman"/>
+        <a:font script="Hebr" typeface="Times New Roman"/>
+        <a:font script="Thai" typeface="Angsana New"/>
+        <a:font script="Ethi" typeface="Nyala"/>
+        <a:font script="Beng" typeface="Vrinda"/>
+        <a:font script="Gujr" typeface="Shruti"/>
+        <a:font script="Khmr" typeface="MoolBoran"/>
+        <a:font script="Knda" typeface="Tunga"/>
+        <a:font script="Guru" typeface="Raavi"/>
+        <a:font script="Cans" typeface="Euphemia"/>
+        <a:font script="Cher" typeface="Plantagenet Cherokee"/>
+        <a:font script="Yiii" typeface="Microsoft Yi Baiti"/>
+        <a:font script="Tibt" typeface="Microsoft Himalaya"/>
+        <a:font script="Thaa" typeface="MV Boli"/>
+        <a:font script="Deva" typeface="Mangal"/>
+        <a:font script="Telu" typeface="Gautami"/>
+        <a:font script="Taml" typeface="Latha"/>
+        <a:font script="Syrc" typeface="Estrangelo Edessa"/>
+        <a:font script="Orya" typeface="Kalinga"/>
+        <a:font script="Mlym" typeface="Kartika"/>
+        <a:font script="Laoo" typeface="DokChampa"/>
+        <a:font script="Sinh" typeface="Iskoola Pota"/>
+        <a:font script="Mong" typeface="Mongolian Baiti"/>
+        <a:font script="Viet" typeface="Times New Roman"/>
+        <a:font script="Uigh" typeface="Microsoft Uighur"/>
+        <a:font script="Geor" typeface="Sylfaen"/>
+      </a:majorFont>
+      <a:minorFont>
+        <a:latin typeface="Calibri" panose="020F0502020204030204"/>
+        <a:ea typeface=""/>
+        <a:cs typeface=""/>
+        <a:font script="Jpan" typeface="游ゴシック"/>
+        <a:font script="Hang" typeface="맑은 고딕"/>
+        <a:font script="Hans" typeface="等线"/>
+        <a:font script="Hant" typeface="新細明體"/>
+        <a:font script="Arab" typeface="Arial"/>
+        <a:font script="Hebr" typeface="Arial"/>
+        <a:font script="Thai" typeface="Cordia New"/>
+        <a:font script="Ethi" typeface="Nyala"/>
+        <a:font script="Beng" typeface="Vrinda"/>
+        <a:font script="Gujr" typeface="Shruti"/>
+        <a:font script="Khmr" typeface="DaunPenh"/>
+        <a:font script="Knda" typeface="Tunga"/>
+        <a:font script="Guru" typeface="Raavi"/>
+        <a:font script="Cans" typeface="Euphemia"/>
+        <a:font script="Cher" typeface="Plantagenet Cherokee"/>
+        <a:font script="Yiii" typeface="Microsoft Yi Baiti"/>
+        <a:font script="Tibt" typeface="Microsoft Himalaya"/>
+        <a:font script="Thaa" typeface="MV Boli"/>
+        <a:font script="Deva" typeface="Mangal"/>
+        <a:font script="Telu" typeface="Gautami"/>
+        <a:font script="Taml" typeface="Latha"/>
+        <a:font script="Syrc" typeface="Estrangelo Edessa"/>
+        <a:font script="Orya" typeface="Kalinga"/>
+        <a:font script="Mlym" typeface="Kartika"/>
+        <a:font script="Laoo" typeface="DokChampa"/>
+        <a:font script="Sinh" typeface="Iskoola Pota"/>
+        <a:font script="Mong" typeface="Mongolian Baiti"/>
+        <a:font script="Viet" typeface="Arial"/>
+        <a:font script="Uigh" typeface="Microsoft Uighur"/>
+        <a:font script="Geor" typeface="Sylfaen"/>
+      </a:minorFont>
+    </a:fontScheme>
+    <a:fmtScheme name="Office">
+      <a:fillStyleLst>
+        <a:solidFill>
+          <a:schemeClr val="phClr"/>
+        </a:solidFill>
+        <a:gradFill rotWithShape="1">
+          <a:gsLst>
+            <a:gs pos="0">
+              <a:schemeClr val="phClr">
+                <a:lumMod val="110000"/>
+                <a:satMod val="105000"/>
+                <a:tint val="67000"/>
+              </a:schemeClr>
+            </a:gs>
+            <a:gs pos="50000">
+              <a:schemeClr val="phClr">
+                <a:lumMod val="105000"/>
+                <a:satMod val="103000"/>
+                <a:tint val="73000"/>
+              </a:schemeClr>
+            </a:gs>
+            <a:gs pos="100000">
+              <a:schemeClr val="phClr">
+                <a:lumMod val="105000"/>
+                <a:satMod val="109000"/>
+                <a:tint val="81000"/>
+              </a:schemeClr>
+            </a:gs>
+          </a:gsLst>
+          <a:lin ang="5400000" scaled="0"/>
+        </a:gradFill>
+        <a:gradFill rotWithShape="1">
+          <a:gsLst>
+            <a:gs pos="0">
+              <a:schemeClr val="phClr">
+                <a:satMod val="103000"/>
+                <a:lumMod val="102000"/>
+                <a:tint val="94000"/>
+              </a:schemeClr>
+            </a:gs>
+            <a:gs pos="50000">
+              <a:schemeClr val="phClr">
+                <a:satMod val="110000"/>
+                <a:lumMod val="100000"/>
+                <a:shade val="100000"/>
+              </a:schemeClr>
+            </a:gs>
+            <a:gs pos="100000">
+              <a:schemeClr val="phClr">
+                <a:lumMod val="99000"/>
+                <a:satMod val="120000"/>
+                <a:shade val="78000"/>
+              </a:schemeClr>
+            </a:gs>
+          </a:gsLst>
+          <a:lin ang="5400000" scaled="0"/>
+        </a:gradFill>
+      </a:fillStyleLst>
+      <a:lnStyleLst>
+        <a:ln w="6350" cap="flat" cmpd="sng" algn="ctr">
+          <a:solidFill>
+            <a:schemeClr val="phClr"/>
+          </a:solidFill>
+          <a:prstDash val="solid"/>
+          <a:miter lim="800000"/>
+        </a:ln>
+        <a:ln w="12700" cap="flat" cmpd="sng" algn="ctr">
+          <a:solidFill>
+            <a:schemeClr val="phClr"/>
+          </a:solidFill>
+          <a:prstDash val="solid"/>
+          <a:miter lim="800000"/>
+        </a:ln>
+        <a:ln w="19050" cap="flat" cmpd="sng" algn="ctr">
+          <a:solidFill>
+            <a:schemeClr val="phClr"/>
+          </a:solidFill>
+          <a:prstDash val="solid"/>
+          <a:miter lim="800000"/>
+        </a:ln>
+      </a:lnStyleLst>
+      <a:effectStyleLst>
+        <a:effectStyle>
+          <a:effectLst/>
+        </a:effectStyle>
+        <a:effectStyle>
+          <a:effectLst/>
+        </a:effectStyle>
+        <a:effectStyle>
+          <a:effectLst>
+            <a:outerShdw blurRad="57150" dist="19050" dir="5400000" algn="ctr" rotWithShape="0">
+              <a:srgbClr val="000000">
+                <a:alpha val="63000"/>
+              </a:srgbClr>
+            </a:outerShdw>
+          </a:effectLst>
+        </a:effectStyle>
+      </a:effectStyleLst>
+      <a:bgFillStyleLst>
+        <a:solidFill>
+          <a:schemeClr val="phClr"/>
+        </a:solidFill>
+        <a:solidFill>
+          <a:schemeClr val="phClr">
+            <a:tint val="95000"/>
+            <a:satMod val="170000"/>
+          </a:schemeClr>
+        </a:solidFill>
+        <a:gradFill rotWithShape="1">
+          <a:gsLst>
+            <a:gs pos="0">
+              <a:schemeClr val="phClr">
+                <a:tint val="93000"/>
+                <a:satMod val="150000"/>
+                <a:shade val="98000"/>
+                <a:lumMod val="102000"/>
+              </a:schemeClr>
+            </a:gs>
+            <a:gs pos="50000">
+              <a:schemeClr val="phClr">
+                <a:tint val="98000"/>
+                <a:satMod val="130000"/>
+                <a:shade val="90000"/>
+                <a:lumMod val="103000"/>
+              </a:schemeClr>
+            </a:gs>
+            <a:gs pos="100000">
+              <a:schemeClr val="phClr">
+                <a:shade val="63000"/>
+                <a:satMod val="120000"/>
+              </a:schemeClr>
+            </a:gs>
+          </a:gsLst>
+          <a:lin ang="5400000" scaled="0"/>
+        </a:gradFill>
+      </a:bgFillStyleLst>
+    </a:fmtScheme>
+  </a:themeElements>
+  <a:objectDefaults/>
+  <a:extraClrSchemeLst/>
+  <a:extLst>
+    <a:ext uri="{05A4C25C-085E-4340-85A3-A5531E510DB2}">
+      <thm15:themeFamily xmlns:thm15="http://schemas.microsoft.com/office/thememl/2012/main" name="Office Theme" id="{62F939B6-93AF-4DB8-9C6B-D6C7DFDC589F}" vid="{4A3C46E8-61CC-4603-A589-7422A47A8E4A}"/>
+    </a:ext>
+  </a:extLst>
+</a:theme>
 </file>
--- a/docs/final-presentation.pptx
+++ b/docs/final-presentation.pptx
@@ -203,7 +203,7 @@
           <a:p>
             <a:fld id="{9D68DE67-432A-4657-9797-541028F5F401}" type="datetimeFigureOut">
               <a:rPr lang="en-US" smtClean="0"/>
-              <a:t>4/29/2016</a:t>
+              <a:t>05/02/2016</a:t>
             </a:fld>
             <a:endParaRPr lang="en-US"/>
           </a:p>
@@ -1360,7 +1360,7 @@
           <a:p>
             <a:fld id="{8388EE48-3864-48F3-93A9-E82791A96128}" type="datetimeFigureOut">
               <a:rPr lang="en-US" smtClean="0"/>
-              <a:t>4/29/2016</a:t>
+              <a:t>05/02/2016</a:t>
             </a:fld>
             <a:endParaRPr lang="en-US"/>
           </a:p>
@@ -1530,7 +1530,7 @@
           <a:p>
             <a:fld id="{8388EE48-3864-48F3-93A9-E82791A96128}" type="datetimeFigureOut">
               <a:rPr lang="en-US" smtClean="0"/>
-              <a:t>4/29/2016</a:t>
+              <a:t>05/02/2016</a:t>
             </a:fld>
             <a:endParaRPr lang="en-US"/>
           </a:p>
@@ -1710,7 +1710,7 @@
           <a:p>
             <a:fld id="{8388EE48-3864-48F3-93A9-E82791A96128}" type="datetimeFigureOut">
               <a:rPr lang="en-US" smtClean="0"/>
-              <a:t>4/29/2016</a:t>
+              <a:t>05/02/2016</a:t>
             </a:fld>
             <a:endParaRPr lang="en-US"/>
           </a:p>
@@ -1880,7 +1880,7 @@
           <a:p>
             <a:fld id="{8388EE48-3864-48F3-93A9-E82791A96128}" type="datetimeFigureOut">
               <a:rPr lang="en-US" smtClean="0"/>
-              <a:t>4/29/2016</a:t>
+              <a:t>05/02/2016</a:t>
             </a:fld>
             <a:endParaRPr lang="en-US"/>
           </a:p>
@@ -2124,7 +2124,7 @@
           <a:p>
             <a:fld id="{8388EE48-3864-48F3-93A9-E82791A96128}" type="datetimeFigureOut">
               <a:rPr lang="en-US" smtClean="0"/>
-              <a:t>4/29/2016</a:t>
+              <a:t>05/02/2016</a:t>
             </a:fld>
             <a:endParaRPr lang="en-US"/>
           </a:p>
@@ -2356,7 +2356,7 @@
           <a:p>
             <a:fld id="{8388EE48-3864-48F3-93A9-E82791A96128}" type="datetimeFigureOut">
               <a:rPr lang="en-US" smtClean="0"/>
-              <a:t>4/29/2016</a:t>
+              <a:t>05/02/2016</a:t>
             </a:fld>
             <a:endParaRPr lang="en-US"/>
           </a:p>
@@ -2723,7 +2723,7 @@
           <a:p>
             <a:fld id="{8388EE48-3864-48F3-93A9-E82791A96128}" type="datetimeFigureOut">
               <a:rPr lang="en-US" smtClean="0"/>
-              <a:t>4/29/2016</a:t>
+              <a:t>05/02/2016</a:t>
             </a:fld>
             <a:endParaRPr lang="en-US"/>
           </a:p>
@@ -2841,7 +2841,7 @@
           <a:p>
             <a:fld id="{8388EE48-3864-48F3-93A9-E82791A96128}" type="datetimeFigureOut">
               <a:rPr lang="en-US" smtClean="0"/>
-              <a:t>4/29/2016</a:t>
+              <a:t>05/02/2016</a:t>
             </a:fld>
             <a:endParaRPr lang="en-US"/>
           </a:p>
@@ -2936,7 +2936,7 @@
           <a:p>
             <a:fld id="{8388EE48-3864-48F3-93A9-E82791A96128}" type="datetimeFigureOut">
               <a:rPr lang="en-US" smtClean="0"/>
-              <a:t>4/29/2016</a:t>
+              <a:t>05/02/2016</a:t>
             </a:fld>
             <a:endParaRPr lang="en-US"/>
           </a:p>
@@ -3213,7 +3213,7 @@
           <a:p>
             <a:fld id="{8388EE48-3864-48F3-93A9-E82791A96128}" type="datetimeFigureOut">
               <a:rPr lang="en-US" smtClean="0"/>
-              <a:t>4/29/2016</a:t>
+              <a:t>05/02/2016</a:t>
             </a:fld>
             <a:endParaRPr lang="en-US"/>
           </a:p>
@@ -3470,7 +3470,7 @@
           <a:p>
             <a:fld id="{8388EE48-3864-48F3-93A9-E82791A96128}" type="datetimeFigureOut">
               <a:rPr lang="en-US" smtClean="0"/>
-              <a:t>4/29/2016</a:t>
+              <a:t>05/02/2016</a:t>
             </a:fld>
             <a:endParaRPr lang="en-US"/>
           </a:p>
@@ -3683,7 +3683,7 @@
           <a:p>
             <a:fld id="{8388EE48-3864-48F3-93A9-E82791A96128}" type="datetimeFigureOut">
               <a:rPr lang="en-US" smtClean="0"/>
-              <a:t>4/29/2016</a:t>
+              <a:t>05/02/2016</a:t>
             </a:fld>
             <a:endParaRPr lang="en-US"/>
           </a:p>
@@ -4176,13 +4176,8 @@
           <a:p>
             <a:r>
               <a:rPr lang="en-US" dirty="0" smtClean="0"/>
-              <a:t>Philip </a:t>
-            </a:r>
-            <a:r>
-              <a:rPr lang="en-US" dirty="0" smtClean="0"/>
-              <a:t>Conrad</a:t>
-            </a:r>
-            <a:endParaRPr lang="en-US" dirty="0" smtClean="0"/>
+              <a:t>Philip Conrad</a:t>
+            </a:r>
           </a:p>
           <a:p>
             <a:r>
@@ -4691,28 +4686,24 @@
               <a:rPr lang="en-US" dirty="0" smtClean="0"/>
               <a:t>Fall’s Accomplishments</a:t>
             </a:r>
-            <a:endParaRPr lang="en-US" dirty="0" smtClean="0"/>
           </a:p>
           <a:p>
             <a:r>
               <a:rPr lang="en-US" dirty="0" smtClean="0"/>
               <a:t>Spring’s Accomplishments</a:t>
             </a:r>
-            <a:endParaRPr lang="en-US" dirty="0" smtClean="0"/>
           </a:p>
           <a:p>
             <a:r>
               <a:rPr lang="en-US" dirty="0" smtClean="0"/>
               <a:t>Attack Vectors</a:t>
             </a:r>
-            <a:endParaRPr lang="en-US" dirty="0" smtClean="0"/>
           </a:p>
           <a:p>
             <a:r>
               <a:rPr lang="en-US" dirty="0" smtClean="0"/>
               <a:t>Future Work</a:t>
             </a:r>
-            <a:endParaRPr lang="en-US" dirty="0" smtClean="0"/>
           </a:p>
         </p:txBody>
       </p:sp>
@@ -4861,26 +4852,140 @@
           <a:p>
             <a:r>
               <a:rPr lang="en-US" dirty="0" smtClean="0"/>
-              <a:t>Took hardware inventory</a:t>
-            </a:r>
-          </a:p>
-          <a:p>
+              <a:t>Took hardware </a:t>
+            </a:r>
             <a:r>
               <a:rPr lang="en-US" dirty="0" smtClean="0"/>
-              <a:t>Got equipment for testing</a:t>
-            </a:r>
-          </a:p>
-          <a:p>
+              <a:t>inventory</a:t>
+            </a:r>
+          </a:p>
+          <a:p>
+            <a:pPr lvl="1"/>
             <a:r>
               <a:rPr lang="en-US" dirty="0" smtClean="0"/>
-              <a:t>Got intel hex dump off of PEB &amp; Reader</a:t>
-            </a:r>
-          </a:p>
-          <a:p>
+              <a:t>PEB: PIC16 micro-controller</a:t>
+            </a:r>
+          </a:p>
+          <a:p>
+            <a:pPr lvl="1"/>
+            <a:r>
+              <a:rPr lang="en-US" dirty="0" err="1" smtClean="0"/>
+              <a:t>iVotronic</a:t>
+            </a:r>
+            <a:r>
+              <a:rPr lang="en-US" dirty="0" smtClean="0"/>
+              <a:t>: Intel i386 processor</a:t>
+            </a:r>
             <a:endParaRPr lang="en-US" dirty="0" smtClean="0"/>
           </a:p>
-        </p:txBody>
-      </p:sp>
+          <a:p>
+            <a:r>
+              <a:rPr lang="en-US" dirty="0" smtClean="0"/>
+              <a:t>Got equipment for </a:t>
+            </a:r>
+            <a:r>
+              <a:rPr lang="en-US" dirty="0" smtClean="0"/>
+              <a:t>testing</a:t>
+            </a:r>
+          </a:p>
+          <a:p>
+            <a:pPr lvl="1"/>
+            <a:r>
+              <a:rPr lang="en-US" dirty="0" err="1" smtClean="0"/>
+              <a:t>PICKit</a:t>
+            </a:r>
+            <a:r>
+              <a:rPr lang="en-US" dirty="0" smtClean="0"/>
+              <a:t> 3 for PEB</a:t>
+            </a:r>
+          </a:p>
+          <a:p>
+            <a:pPr lvl="1"/>
+            <a:r>
+              <a:rPr lang="en-US" dirty="0" err="1" smtClean="0"/>
+              <a:t>BusPirate</a:t>
+            </a:r>
+            <a:endParaRPr lang="en-US" dirty="0" smtClean="0"/>
+          </a:p>
+          <a:p>
+            <a:r>
+              <a:rPr lang="en-US" dirty="0" smtClean="0"/>
+              <a:t>Got </a:t>
+            </a:r>
+            <a:r>
+              <a:rPr lang="en-US" dirty="0" smtClean="0"/>
+              <a:t>Intel </a:t>
+            </a:r>
+            <a:r>
+              <a:rPr lang="en-US" dirty="0" smtClean="0"/>
+              <a:t>hex dump off of PEB &amp; Reader</a:t>
+            </a:r>
+          </a:p>
+          <a:p>
+            <a:endParaRPr lang="en-US" dirty="0" smtClean="0"/>
+          </a:p>
+        </p:txBody>
+      </p:sp>
+      <p:pic>
+        <p:nvPicPr>
+          <p:cNvPr id="4" name="Picture 3"/>
+          <p:cNvPicPr>
+            <a:picLocks noChangeAspect="1"/>
+          </p:cNvPicPr>
+          <p:nvPr/>
+        </p:nvPicPr>
+        <p:blipFill>
+          <a:blip r:embed="rId4" cstate="print">
+            <a:extLst>
+              <a:ext uri="{28A0092B-C50C-407E-A947-70E740481C1C}">
+                <a14:useLocalDpi xmlns:a14="http://schemas.microsoft.com/office/drawing/2010/main" val="0"/>
+              </a:ext>
+            </a:extLst>
+          </a:blip>
+          <a:stretch>
+            <a:fillRect/>
+          </a:stretch>
+        </p:blipFill>
+        <p:spPr>
+          <a:xfrm>
+            <a:off x="7106162" y="633047"/>
+            <a:ext cx="1446335" cy="5785338"/>
+          </a:xfrm>
+          <a:prstGeom prst="rect">
+            <a:avLst/>
+          </a:prstGeom>
+        </p:spPr>
+      </p:pic>
+      <p:pic>
+        <p:nvPicPr>
+          <p:cNvPr id="5" name="Picture 4"/>
+          <p:cNvPicPr>
+            <a:picLocks noChangeAspect="1"/>
+          </p:cNvPicPr>
+          <p:nvPr/>
+        </p:nvPicPr>
+        <p:blipFill>
+          <a:blip r:embed="rId5">
+            <a:extLst>
+              <a:ext uri="{28A0092B-C50C-407E-A947-70E740481C1C}">
+                <a14:useLocalDpi xmlns:a14="http://schemas.microsoft.com/office/drawing/2010/main" val="0"/>
+              </a:ext>
+            </a:extLst>
+          </a:blip>
+          <a:stretch>
+            <a:fillRect/>
+          </a:stretch>
+        </p:blipFill>
+        <p:spPr>
+          <a:xfrm>
+            <a:off x="3366743" y="4956904"/>
+            <a:ext cx="1856158" cy="1778004"/>
+          </a:xfrm>
+          <a:prstGeom prst="rect">
+            <a:avLst/>
+          </a:prstGeom>
+        </p:spPr>
+      </p:pic>
     </p:spTree>
     <p:extLst>
       <p:ext uri="{BB962C8B-B14F-4D97-AF65-F5344CB8AC3E}">
@@ -5167,7 +5272,6 @@
               <a:rPr lang="en-US" dirty="0" smtClean="0"/>
               <a:t>Arbitrary Code Execution</a:t>
             </a:r>
-            <a:endParaRPr lang="en-US" dirty="0" smtClean="0"/>
           </a:p>
           <a:p>
             <a:r>
@@ -5579,13 +5683,63 @@
           <a:p>
             <a:r>
               <a:rPr lang="en-US" dirty="0" smtClean="0"/>
-              <a:t>Programming environment </a:t>
-            </a:r>
-          </a:p>
-          <a:p>
+              <a:t>Programming </a:t>
+            </a:r>
             <a:r>
               <a:rPr lang="en-US" dirty="0" smtClean="0"/>
-              <a:t>Steps for future groups to take</a:t>
+              <a:t>Environment </a:t>
+            </a:r>
+            <a:endParaRPr lang="en-US" dirty="0" smtClean="0"/>
+          </a:p>
+          <a:p>
+            <a:r>
+              <a:rPr lang="en-US" dirty="0" smtClean="0"/>
+              <a:t>Steps for future groups to </a:t>
+            </a:r>
+            <a:r>
+              <a:rPr lang="en-US" dirty="0" smtClean="0"/>
+              <a:t>take</a:t>
+            </a:r>
+          </a:p>
+          <a:p>
+            <a:pPr lvl="1"/>
+            <a:r>
+              <a:rPr lang="en-US" dirty="0" smtClean="0"/>
+              <a:t>IrDA Stack / Flashing I/O Pins</a:t>
+            </a:r>
+          </a:p>
+          <a:p>
+            <a:pPr lvl="1"/>
+            <a:r>
+              <a:rPr lang="en-US" dirty="0" smtClean="0"/>
+              <a:t>Rev. Engineer PEB-</a:t>
+            </a:r>
+            <a:r>
+              <a:rPr lang="en-US" dirty="0" err="1" smtClean="0"/>
+              <a:t>iVotronic</a:t>
+            </a:r>
+            <a:r>
+              <a:rPr lang="en-US" dirty="0" smtClean="0"/>
+              <a:t> </a:t>
+            </a:r>
+            <a:r>
+              <a:rPr lang="en-US" dirty="0" err="1" smtClean="0"/>
+              <a:t>comms</a:t>
+            </a:r>
+            <a:r>
+              <a:rPr lang="en-US" dirty="0" smtClean="0"/>
+              <a:t>.</a:t>
+            </a:r>
+          </a:p>
+          <a:p>
+            <a:pPr lvl="1"/>
+            <a:r>
+              <a:rPr lang="en-US" dirty="0" err="1" smtClean="0"/>
+              <a:t>iVotronic</a:t>
+            </a:r>
+            <a:r>
+              <a:rPr lang="en-US" dirty="0" smtClean="0"/>
+              <a:t> memory modules</a:t>
             </a:r>
             <a:endParaRPr lang="en-US" dirty="0"/>
           </a:p>
@@ -5628,6 +5782,36 @@
               </a14:hiddenFill>
             </a:ext>
           </a:extLst>
+        </p:spPr>
+      </p:pic>
+      <p:pic>
+        <p:nvPicPr>
+          <p:cNvPr id="5" name="Picture 4"/>
+          <p:cNvPicPr>
+            <a:picLocks noChangeAspect="1"/>
+          </p:cNvPicPr>
+          <p:nvPr/>
+        </p:nvPicPr>
+        <p:blipFill>
+          <a:blip r:embed="rId4">
+            <a:extLst>
+              <a:ext uri="{28A0092B-C50C-407E-A947-70E740481C1C}">
+                <a14:useLocalDpi xmlns:a14="http://schemas.microsoft.com/office/drawing/2010/main" val="0"/>
+              </a:ext>
+            </a:extLst>
+          </a:blip>
+          <a:stretch>
+            <a:fillRect/>
+          </a:stretch>
+        </p:blipFill>
+        <p:spPr>
+          <a:xfrm rot="16200000">
+            <a:off x="5880186" y="2348244"/>
+            <a:ext cx="3292719" cy="1977609"/>
+          </a:xfrm>
+          <a:prstGeom prst="rect">
+            <a:avLst/>
+          </a:prstGeom>
         </p:spPr>
       </p:pic>
     </p:spTree>
